--- a/fuentes/contenidos/grado09/guion09/MapaConceptual_MA_09_09_CO.pptx
+++ b/fuentes/contenidos/grado09/guion09/MapaConceptual_MA_09_09_CO.pptx
@@ -106,7 +106,18 @@
   </p:defaultTextStyle>
   <p:extLst>
     <p:ext uri="{EFAFB233-063F-42B5-8137-9DF3F51BA10A}">
-      <p15:sldGuideLst xmlns="" xmlns:p15="http://schemas.microsoft.com/office/powerpoint/2012/main"/>
+      <p15:sldGuideLst xmlns:p15="http://schemas.microsoft.com/office/powerpoint/2012/main">
+        <p15:guide id="1" orient="horz" pos="2949">
+          <p15:clr>
+            <a:srgbClr val="A4A3A4"/>
+          </p15:clr>
+        </p15:guide>
+        <p15:guide id="2" pos="4309">
+          <p15:clr>
+            <a:srgbClr val="A4A3A4"/>
+          </p15:clr>
+        </p15:guide>
+      </p15:sldGuideLst>
     </p:ext>
   </p:extLst>
 </p:presentation>
@@ -132,7 +143,7 @@
     </p:spTree>
     <p:extLst>
       <p:ext uri="{BB962C8B-B14F-4D97-AF65-F5344CB8AC3E}">
-        <p14:creationId xmlns="" xmlns:p14="http://schemas.microsoft.com/office/powerpoint/2010/main" val="2000257042"/>
+        <p14:creationId xmlns:p14="http://schemas.microsoft.com/office/powerpoint/2010/main" val="2000257042"/>
       </p:ext>
     </p:extLst>
   </p:cSld>
@@ -169,7 +180,7 @@
     </p:spTree>
     <p:extLst>
       <p:ext uri="{BB962C8B-B14F-4D97-AF65-F5344CB8AC3E}">
-        <p14:creationId xmlns="" xmlns:p14="http://schemas.microsoft.com/office/powerpoint/2010/main" val="1333581381"/>
+        <p14:creationId xmlns:p14="http://schemas.microsoft.com/office/powerpoint/2010/main" val="1333581381"/>
       </p:ext>
     </p:extLst>
   </p:cSld>
@@ -206,7 +217,7 @@
     </p:spTree>
     <p:extLst>
       <p:ext uri="{BB962C8B-B14F-4D97-AF65-F5344CB8AC3E}">
-        <p14:creationId xmlns="" xmlns:p14="http://schemas.microsoft.com/office/powerpoint/2010/main" val="1891644360"/>
+        <p14:creationId xmlns:p14="http://schemas.microsoft.com/office/powerpoint/2010/main" val="1891644360"/>
       </p:ext>
     </p:extLst>
   </p:cSld>
@@ -243,7 +254,7 @@
     </p:spTree>
     <p:extLst>
       <p:ext uri="{BB962C8B-B14F-4D97-AF65-F5344CB8AC3E}">
-        <p14:creationId xmlns="" xmlns:p14="http://schemas.microsoft.com/office/powerpoint/2010/main" val="3239374206"/>
+        <p14:creationId xmlns:p14="http://schemas.microsoft.com/office/powerpoint/2010/main" val="3239374206"/>
       </p:ext>
     </p:extLst>
   </p:cSld>
@@ -280,7 +291,7 @@
     </p:spTree>
     <p:extLst>
       <p:ext uri="{BB962C8B-B14F-4D97-AF65-F5344CB8AC3E}">
-        <p14:creationId xmlns="" xmlns:p14="http://schemas.microsoft.com/office/powerpoint/2010/main" val="307310304"/>
+        <p14:creationId xmlns:p14="http://schemas.microsoft.com/office/powerpoint/2010/main" val="307310304"/>
       </p:ext>
     </p:extLst>
   </p:cSld>
@@ -317,7 +328,7 @@
     </p:spTree>
     <p:extLst>
       <p:ext uri="{BB962C8B-B14F-4D97-AF65-F5344CB8AC3E}">
-        <p14:creationId xmlns="" xmlns:p14="http://schemas.microsoft.com/office/powerpoint/2010/main" val="3978690955"/>
+        <p14:creationId xmlns:p14="http://schemas.microsoft.com/office/powerpoint/2010/main" val="3978690955"/>
       </p:ext>
     </p:extLst>
   </p:cSld>
@@ -354,7 +365,7 @@
     </p:spTree>
     <p:extLst>
       <p:ext uri="{BB962C8B-B14F-4D97-AF65-F5344CB8AC3E}">
-        <p14:creationId xmlns="" xmlns:p14="http://schemas.microsoft.com/office/powerpoint/2010/main" val="2351846119"/>
+        <p14:creationId xmlns:p14="http://schemas.microsoft.com/office/powerpoint/2010/main" val="2351846119"/>
       </p:ext>
     </p:extLst>
   </p:cSld>
@@ -391,7 +402,7 @@
     </p:spTree>
     <p:extLst>
       <p:ext uri="{BB962C8B-B14F-4D97-AF65-F5344CB8AC3E}">
-        <p14:creationId xmlns="" xmlns:p14="http://schemas.microsoft.com/office/powerpoint/2010/main" val="3469546082"/>
+        <p14:creationId xmlns:p14="http://schemas.microsoft.com/office/powerpoint/2010/main" val="3469546082"/>
       </p:ext>
     </p:extLst>
   </p:cSld>
@@ -451,7 +462,7 @@
             <a:fld id="{5001C876-01F7-4317-94B9-1AE222133113}" type="datetimeFigureOut">
               <a:rPr lang="es-ES" smtClean="0"/>
               <a:pPr/>
-              <a:t>23/12/2015</a:t>
+              <a:t>29/02/2016</a:t>
             </a:fld>
             <a:endParaRPr lang="es-ES"/>
           </a:p>
@@ -519,7 +530,7 @@
     </p:spTree>
     <p:extLst>
       <p:ext uri="{BB962C8B-B14F-4D97-AF65-F5344CB8AC3E}">
-        <p14:creationId xmlns="" xmlns:p14="http://schemas.microsoft.com/office/powerpoint/2010/main" val="1897143918"/>
+        <p14:creationId xmlns:p14="http://schemas.microsoft.com/office/powerpoint/2010/main" val="1897143918"/>
       </p:ext>
     </p:extLst>
   </p:cSld>
@@ -556,7 +567,7 @@
     </p:spTree>
     <p:extLst>
       <p:ext uri="{BB962C8B-B14F-4D97-AF65-F5344CB8AC3E}">
-        <p14:creationId xmlns="" xmlns:p14="http://schemas.microsoft.com/office/powerpoint/2010/main" val="1289426299"/>
+        <p14:creationId xmlns:p14="http://schemas.microsoft.com/office/powerpoint/2010/main" val="1289426299"/>
       </p:ext>
     </p:extLst>
   </p:cSld>
@@ -593,7 +604,7 @@
     </p:spTree>
     <p:extLst>
       <p:ext uri="{BB962C8B-B14F-4D97-AF65-F5344CB8AC3E}">
-        <p14:creationId xmlns="" xmlns:p14="http://schemas.microsoft.com/office/powerpoint/2010/main" val="382388284"/>
+        <p14:creationId xmlns:p14="http://schemas.microsoft.com/office/powerpoint/2010/main" val="382388284"/>
       </p:ext>
     </p:extLst>
   </p:cSld>
@@ -681,7 +692,7 @@
           <a:blip r:embed="rId13" cstate="print">
             <a:extLst>
               <a:ext uri="{28A0092B-C50C-407E-A947-70E740481C1C}">
-                <a14:useLocalDpi xmlns="" xmlns:a14="http://schemas.microsoft.com/office/drawing/2010/main" val="0"/>
+                <a14:useLocalDpi xmlns:a14="http://schemas.microsoft.com/office/drawing/2010/main" val="0"/>
               </a:ext>
             </a:extLst>
           </a:blip>
@@ -702,7 +713,7 @@
     </p:spTree>
     <p:extLst>
       <p:ext uri="{BB962C8B-B14F-4D97-AF65-F5344CB8AC3E}">
-        <p14:creationId xmlns="" xmlns:p14="http://schemas.microsoft.com/office/powerpoint/2010/main" val="1541031311"/>
+        <p14:creationId xmlns:p14="http://schemas.microsoft.com/office/powerpoint/2010/main" val="1541031311"/>
       </p:ext>
     </p:extLst>
   </p:cSld>
@@ -1068,7 +1079,7 @@
                 </a:solidFill>
                 <a:cs typeface="Arial" pitchFamily="34" charset="0"/>
               </a:rPr>
-              <a:t>Razonamiento semejanza  </a:t>
+              <a:t>Los métodos de razonamiento y la semejanza</a:t>
             </a:r>
             <a:endParaRPr lang="es-CO" sz="1900" b="1" dirty="0">
               <a:solidFill>
@@ -3851,16 +3862,7 @@
                 </a:solidFill>
                 <a:cs typeface="Arial" pitchFamily="34" charset="0"/>
               </a:rPr>
-              <a:t>donde  </a:t>
-            </a:r>
-            <a:r>
-              <a:rPr lang="es-CO" sz="900" dirty="0" smtClean="0">
-                <a:solidFill>
-                  <a:schemeClr val="tx1"/>
-                </a:solidFill>
-                <a:cs typeface="Arial" pitchFamily="34" charset="0"/>
-              </a:rPr>
-              <a:t>  </a:t>
+              <a:t>donde    </a:t>
             </a:r>
             <a:endParaRPr lang="es-CO" sz="900" dirty="0">
               <a:solidFill>
@@ -4019,16 +4021,7 @@
                 </a:solidFill>
                 <a:cs typeface="Arial" pitchFamily="34" charset="0"/>
               </a:rPr>
-              <a:t>los criterios de semejanza </a:t>
-            </a:r>
-            <a:r>
-              <a:rPr lang="es-CO" sz="900" dirty="0" smtClean="0">
-                <a:solidFill>
-                  <a:schemeClr val="tx1"/>
-                </a:solidFill>
-                <a:cs typeface="Arial" pitchFamily="34" charset="0"/>
-              </a:rPr>
-              <a:t> </a:t>
+              <a:t>los criterios de semejanza  </a:t>
             </a:r>
             <a:endParaRPr lang="es-CO" sz="900" b="1" dirty="0">
               <a:solidFill>
@@ -4123,16 +4116,7 @@
                 </a:solidFill>
                 <a:cs typeface="Arial" pitchFamily="34" charset="0"/>
               </a:rPr>
-              <a:t>si</a:t>
-            </a:r>
-            <a:r>
-              <a:rPr lang="es-CO" sz="900" dirty="0" smtClean="0">
-                <a:solidFill>
-                  <a:schemeClr val="tx1"/>
-                </a:solidFill>
-                <a:cs typeface="Arial" pitchFamily="34" charset="0"/>
-              </a:rPr>
-              <a:t>    </a:t>
+              <a:t>si    </a:t>
             </a:r>
             <a:endParaRPr lang="es-CO" sz="900" dirty="0">
               <a:solidFill>
@@ -4198,11 +4182,6 @@
               </a:rPr>
               <a:t> </a:t>
             </a:r>
-            <a:endParaRPr lang="es-ES" sz="900" dirty="0" smtClean="0">
-              <a:solidFill>
-                <a:srgbClr val="FF0000"/>
-              </a:solidFill>
-            </a:endParaRPr>
           </a:p>
           <a:p>
             <a:pPr algn="ctr"/>
@@ -4269,8 +4248,11 @@
                 </a:solidFill>
                 <a:cs typeface="Arial" pitchFamily="34" charset="0"/>
               </a:rPr>
-              <a:t>AA</a:t>
-            </a:r>
+              <a:t>AA: ángulo ángulo</a:t>
+            </a:r>
+          </a:p>
+          <a:p>
+            <a:pPr algn="ctr"/>
             <a:r>
               <a:rPr lang="es-CO" sz="900" dirty="0" smtClean="0">
                 <a:solidFill>
@@ -4278,41 +4260,8 @@
                 </a:solidFill>
                 <a:cs typeface="Arial" pitchFamily="34" charset="0"/>
               </a:rPr>
-              <a:t>: ángulo </a:t>
-            </a:r>
-            <a:r>
-              <a:rPr lang="es-CO" sz="900" dirty="0" smtClean="0">
-                <a:solidFill>
-                  <a:schemeClr val="tx1"/>
-                </a:solidFill>
-                <a:cs typeface="Arial" pitchFamily="34" charset="0"/>
-              </a:rPr>
-              <a:t>ángulo</a:t>
-            </a:r>
-            <a:endParaRPr lang="es-CO" sz="900" dirty="0" smtClean="0">
-              <a:solidFill>
-                <a:schemeClr val="tx1"/>
-              </a:solidFill>
-              <a:cs typeface="Arial" pitchFamily="34" charset="0"/>
-            </a:endParaRPr>
-          </a:p>
-          <a:p>
-            <a:pPr algn="ctr"/>
-            <a:r>
-              <a:rPr lang="es-CO" sz="900" dirty="0" smtClean="0">
-                <a:solidFill>
-                  <a:schemeClr val="tx1"/>
-                </a:solidFill>
-                <a:cs typeface="Arial" pitchFamily="34" charset="0"/>
-              </a:rPr>
               <a:t> </a:t>
             </a:r>
-            <a:endParaRPr lang="es-CO" sz="900" dirty="0" smtClean="0">
-              <a:solidFill>
-                <a:schemeClr val="tx1"/>
-              </a:solidFill>
-              <a:cs typeface="Arial" pitchFamily="34" charset="0"/>
-            </a:endParaRPr>
           </a:p>
         </p:txBody>
       </p:sp>
@@ -4398,25 +4347,7 @@
                 </a:solidFill>
                 <a:cs typeface="Arial" pitchFamily="34" charset="0"/>
               </a:rPr>
-              <a:t>s</a:t>
-            </a:r>
-            <a:r>
-              <a:rPr lang="es-CO" sz="900" dirty="0" smtClean="0">
-                <a:solidFill>
-                  <a:schemeClr val="tx1"/>
-                </a:solidFill>
-                <a:cs typeface="Arial" pitchFamily="34" charset="0"/>
-              </a:rPr>
-              <a:t>on </a:t>
-            </a:r>
-            <a:r>
-              <a:rPr lang="es-CO" sz="900" dirty="0" smtClean="0">
-                <a:solidFill>
-                  <a:schemeClr val="tx1"/>
-                </a:solidFill>
-                <a:cs typeface="Arial" pitchFamily="34" charset="0"/>
-              </a:rPr>
-              <a:t>   </a:t>
+              <a:t>son    </a:t>
             </a:r>
             <a:endParaRPr lang="es-CO" sz="900" dirty="0">
               <a:solidFill>
@@ -5162,16 +5093,7 @@
                 </a:solidFill>
                 <a:cs typeface="Arial" pitchFamily="34" charset="0"/>
               </a:rPr>
-              <a:t>y</a:t>
-            </a:r>
-            <a:r>
-              <a:rPr lang="es-CO" sz="900" dirty="0" smtClean="0">
-                <a:solidFill>
-                  <a:schemeClr val="tx1"/>
-                </a:solidFill>
-                <a:cs typeface="Arial" pitchFamily="34" charset="0"/>
-              </a:rPr>
-              <a:t>    </a:t>
+              <a:t>y    </a:t>
             </a:r>
             <a:endParaRPr lang="es-CO" sz="900" dirty="0">
               <a:solidFill>
@@ -5223,11 +5145,7 @@
             <a:pPr algn="ctr"/>
             <a:r>
               <a:rPr lang="es-ES_tradnl" sz="900" dirty="0" smtClean="0"/>
-              <a:t>d</a:t>
-            </a:r>
-            <a:r>
-              <a:rPr lang="es-ES_tradnl" sz="900" dirty="0" smtClean="0"/>
-              <a:t>os  ángulo  son congruentes  </a:t>
+              <a:t>dos  ángulo  son congruentes  </a:t>
             </a:r>
             <a:endParaRPr lang="es-CO" sz="900" b="1" dirty="0">
               <a:solidFill>
@@ -5322,16 +5240,7 @@
                 </a:solidFill>
                 <a:cs typeface="Arial" pitchFamily="34" charset="0"/>
               </a:rPr>
-              <a:t>si</a:t>
-            </a:r>
-            <a:r>
-              <a:rPr lang="es-CO" sz="900" dirty="0" smtClean="0">
-                <a:solidFill>
-                  <a:schemeClr val="tx1"/>
-                </a:solidFill>
-                <a:cs typeface="Arial" pitchFamily="34" charset="0"/>
-              </a:rPr>
-              <a:t>    </a:t>
+              <a:t>si    </a:t>
             </a:r>
             <a:endParaRPr lang="es-CO" sz="900" dirty="0">
               <a:solidFill>
@@ -5423,15 +5332,7 @@
                   <a:schemeClr val="tx1"/>
                 </a:solidFill>
               </a:rPr>
-              <a:t>m</a:t>
-            </a:r>
-            <a:r>
-              <a:rPr lang="es-ES" sz="900" dirty="0" smtClean="0">
-                <a:solidFill>
-                  <a:schemeClr val="tx1"/>
-                </a:solidFill>
-              </a:rPr>
-              <a:t>iden lo mismo </a:t>
+              <a:t>miden lo mismo </a:t>
             </a:r>
             <a:endParaRPr lang="es-CO" sz="900" dirty="0">
               <a:solidFill>
@@ -5524,25 +5425,7 @@
                 </a:solidFill>
                 <a:cs typeface="Arial" pitchFamily="34" charset="0"/>
               </a:rPr>
-              <a:t>e</a:t>
-            </a:r>
-            <a:r>
-              <a:rPr lang="es-CO" sz="900" dirty="0" smtClean="0">
-                <a:solidFill>
-                  <a:schemeClr val="tx1"/>
-                </a:solidFill>
-                <a:cs typeface="Arial" pitchFamily="34" charset="0"/>
-              </a:rPr>
-              <a:t>jemplo </a:t>
-            </a:r>
-            <a:r>
-              <a:rPr lang="es-CO" sz="900" dirty="0" smtClean="0">
-                <a:solidFill>
-                  <a:schemeClr val="tx1"/>
-                </a:solidFill>
-                <a:cs typeface="Arial" pitchFamily="34" charset="0"/>
-              </a:rPr>
-              <a:t>    </a:t>
+              <a:t>ejemplo     </a:t>
             </a:r>
             <a:endParaRPr lang="es-CO" sz="900" dirty="0">
               <a:solidFill>
@@ -5786,15 +5669,7 @@
             <a:pPr algn="ctr"/>
             <a:r>
               <a:rPr lang="es-ES_tradnl" sz="900" dirty="0" smtClean="0"/>
-              <a:t> </a:t>
-            </a:r>
-            <a:r>
-              <a:rPr lang="es-ES_tradnl" sz="900" dirty="0" smtClean="0"/>
-              <a:t>lados  correspondientes son proporcionales</a:t>
-            </a:r>
-            <a:r>
-              <a:rPr lang="es-ES_tradnl" sz="900" dirty="0" smtClean="0"/>
-              <a:t>  </a:t>
+              <a:t> lados  correspondientes son proporcionales  </a:t>
             </a:r>
             <a:endParaRPr lang="es-CO" sz="900" b="1" dirty="0">
               <a:solidFill>
@@ -5889,16 +5764,7 @@
                 </a:solidFill>
                 <a:cs typeface="Arial" pitchFamily="34" charset="0"/>
               </a:rPr>
-              <a:t>si</a:t>
-            </a:r>
-            <a:r>
-              <a:rPr lang="es-CO" sz="900" dirty="0" smtClean="0">
-                <a:solidFill>
-                  <a:schemeClr val="tx1"/>
-                </a:solidFill>
-                <a:cs typeface="Arial" pitchFamily="34" charset="0"/>
-              </a:rPr>
-              <a:t>    </a:t>
+              <a:t>si    </a:t>
             </a:r>
             <a:endParaRPr lang="es-CO" sz="900" dirty="0">
               <a:solidFill>
@@ -5990,15 +5856,7 @@
                   <a:schemeClr val="tx1"/>
                 </a:solidFill>
               </a:rPr>
-              <a:t>m</a:t>
-            </a:r>
-            <a:r>
-              <a:rPr lang="es-ES" sz="900" dirty="0" smtClean="0">
-                <a:solidFill>
-                  <a:schemeClr val="tx1"/>
-                </a:solidFill>
-              </a:rPr>
-              <a:t>edidas de los lados correspondientes tiene la misma razón   </a:t>
+              <a:t>medidas de los lados correspondientes tiene la misma razón   </a:t>
             </a:r>
             <a:endParaRPr lang="es-CO" sz="900" dirty="0">
               <a:solidFill>
@@ -6091,25 +5949,7 @@
                 </a:solidFill>
                 <a:cs typeface="Arial" pitchFamily="34" charset="0"/>
               </a:rPr>
-              <a:t>e</a:t>
-            </a:r>
-            <a:r>
-              <a:rPr lang="es-CO" sz="900" dirty="0" smtClean="0">
-                <a:solidFill>
-                  <a:schemeClr val="tx1"/>
-                </a:solidFill>
-                <a:cs typeface="Arial" pitchFamily="34" charset="0"/>
-              </a:rPr>
-              <a:t>jemplo </a:t>
-            </a:r>
-            <a:r>
-              <a:rPr lang="es-CO" sz="900" dirty="0" smtClean="0">
-                <a:solidFill>
-                  <a:schemeClr val="tx1"/>
-                </a:solidFill>
-                <a:cs typeface="Arial" pitchFamily="34" charset="0"/>
-              </a:rPr>
-              <a:t>    </a:t>
+              <a:t>ejemplo     </a:t>
             </a:r>
             <a:endParaRPr lang="es-CO" sz="900" dirty="0">
               <a:solidFill>
@@ -6271,11 +6111,6 @@
               </a:rPr>
               <a:t> </a:t>
             </a:r>
-            <a:endParaRPr lang="es-ES" sz="900" dirty="0" smtClean="0">
-              <a:solidFill>
-                <a:srgbClr val="FF0000"/>
-              </a:solidFill>
-            </a:endParaRPr>
           </a:p>
           <a:p>
             <a:pPr algn="ctr"/>
@@ -6358,25 +6193,7 @@
                 </a:solidFill>
                 <a:cs typeface="Arial" pitchFamily="34" charset="0"/>
               </a:rPr>
-              <a:t>p</a:t>
-            </a:r>
-            <a:r>
-              <a:rPr lang="es-CO" sz="900" dirty="0" smtClean="0">
-                <a:solidFill>
-                  <a:schemeClr val="tx1"/>
-                </a:solidFill>
-                <a:cs typeface="Arial" pitchFamily="34" charset="0"/>
-              </a:rPr>
-              <a:t>or que  </a:t>
-            </a:r>
-            <a:r>
-              <a:rPr lang="es-CO" sz="900" dirty="0" smtClean="0">
-                <a:solidFill>
-                  <a:schemeClr val="tx1"/>
-                </a:solidFill>
-                <a:cs typeface="Arial" pitchFamily="34" charset="0"/>
-              </a:rPr>
-              <a:t>    </a:t>
+              <a:t>por que      </a:t>
             </a:r>
             <a:endParaRPr lang="es-CO" sz="900" dirty="0">
               <a:solidFill>
@@ -6638,25 +6455,7 @@
                 </a:solidFill>
                 <a:cs typeface="Arial" pitchFamily="34" charset="0"/>
               </a:rPr>
-              <a:t>p</a:t>
-            </a:r>
-            <a:r>
-              <a:rPr lang="es-CO" sz="900" dirty="0" smtClean="0">
-                <a:solidFill>
-                  <a:schemeClr val="tx1"/>
-                </a:solidFill>
-                <a:cs typeface="Arial" pitchFamily="34" charset="0"/>
-              </a:rPr>
-              <a:t>or que  </a:t>
-            </a:r>
-            <a:r>
-              <a:rPr lang="es-CO" sz="900" dirty="0" smtClean="0">
-                <a:solidFill>
-                  <a:schemeClr val="tx1"/>
-                </a:solidFill>
-                <a:cs typeface="Arial" pitchFamily="34" charset="0"/>
-              </a:rPr>
-              <a:t>    </a:t>
+              <a:t>por que      </a:t>
             </a:r>
             <a:endParaRPr lang="es-CO" sz="900" dirty="0">
               <a:solidFill>
@@ -6835,8 +6634,11 @@
                 </a:solidFill>
                 <a:cs typeface="Arial" pitchFamily="34" charset="0"/>
               </a:rPr>
-              <a:t>LLL : lado </a:t>
-            </a:r>
+              <a:t>LLL : lado lado lado</a:t>
+            </a:r>
+          </a:p>
+          <a:p>
+            <a:pPr algn="ctr"/>
             <a:r>
               <a:rPr lang="es-CO" sz="900" dirty="0" smtClean="0">
                 <a:solidFill>
@@ -6844,50 +6646,8 @@
                 </a:solidFill>
                 <a:cs typeface="Arial" pitchFamily="34" charset="0"/>
               </a:rPr>
-              <a:t>lado</a:t>
-            </a:r>
-            <a:r>
-              <a:rPr lang="es-CO" sz="900" dirty="0" smtClean="0">
-                <a:solidFill>
-                  <a:schemeClr val="tx1"/>
-                </a:solidFill>
-                <a:cs typeface="Arial" pitchFamily="34" charset="0"/>
-              </a:rPr>
               <a:t> </a:t>
             </a:r>
-            <a:r>
-              <a:rPr lang="es-CO" sz="900" dirty="0" smtClean="0">
-                <a:solidFill>
-                  <a:schemeClr val="tx1"/>
-                </a:solidFill>
-                <a:cs typeface="Arial" pitchFamily="34" charset="0"/>
-              </a:rPr>
-              <a:t>lado</a:t>
-            </a:r>
-            <a:endParaRPr lang="es-CO" sz="900" dirty="0" smtClean="0">
-              <a:solidFill>
-                <a:schemeClr val="tx1"/>
-              </a:solidFill>
-              <a:cs typeface="Arial" pitchFamily="34" charset="0"/>
-            </a:endParaRPr>
-          </a:p>
-          <a:p>
-            <a:pPr algn="ctr"/>
-            <a:r>
-              <a:rPr lang="es-CO" sz="900" dirty="0" smtClean="0">
-                <a:solidFill>
-                  <a:schemeClr val="tx1"/>
-                </a:solidFill>
-                <a:cs typeface="Arial" pitchFamily="34" charset="0"/>
-              </a:rPr>
-              <a:t> </a:t>
-            </a:r>
-            <a:endParaRPr lang="es-CO" sz="900" dirty="0" smtClean="0">
-              <a:solidFill>
-                <a:schemeClr val="tx1"/>
-              </a:solidFill>
-              <a:cs typeface="Arial" pitchFamily="34" charset="0"/>
-            </a:endParaRPr>
           </a:p>
         </p:txBody>
       </p:sp>
@@ -6959,12 +6719,6 @@
               </a:rPr>
               <a:t> </a:t>
             </a:r>
-            <a:endParaRPr lang="es-CO" sz="900" dirty="0" smtClean="0">
-              <a:solidFill>
-                <a:schemeClr val="tx1"/>
-              </a:solidFill>
-              <a:cs typeface="Arial" pitchFamily="34" charset="0"/>
-            </a:endParaRPr>
           </a:p>
         </p:txBody>
       </p:sp>
@@ -7009,7 +6763,7 @@
     </p:spTree>
     <p:extLst>
       <p:ext uri="{BB962C8B-B14F-4D97-AF65-F5344CB8AC3E}">
-        <p14:creationId xmlns="" xmlns:p14="http://schemas.microsoft.com/office/powerpoint/2010/main" val="1910700679"/>
+        <p14:creationId xmlns:p14="http://schemas.microsoft.com/office/powerpoint/2010/main" val="1910700679"/>
       </p:ext>
     </p:extLst>
   </p:cSld>
@@ -7281,7 +7035,7 @@
   <a:extraClrSchemeLst/>
   <a:extLst>
     <a:ext uri="{05A4C25C-085E-4340-85A3-A5531E510DB2}">
-      <thm15:themeFamily xmlns="" xmlns:thm15="http://schemas.microsoft.com/office/thememl/2012/main" name="Office Theme" id="{62F939B6-93AF-4DB8-9C6B-D6C7DFDC589F}" vid="{4A3C46E8-61CC-4603-A589-7422A47A8E4A}"/>
+      <thm15:themeFamily xmlns:thm15="http://schemas.microsoft.com/office/thememl/2012/main" name="Office Theme" id="{62F939B6-93AF-4DB8-9C6B-D6C7DFDC589F}" vid="{4A3C46E8-61CC-4603-A589-7422A47A8E4A}"/>
     </a:ext>
   </a:extLst>
 </a:theme>

--- a/fuentes/contenidos/grado09/guion09/MapaConceptual_MA_09_09_CO.pptx
+++ b/fuentes/contenidos/grado09/guion09/MapaConceptual_MA_09_09_CO.pptx
@@ -1923,16 +1923,16 @@
                 </a:solidFill>
                 <a:cs typeface="Arial" pitchFamily="34" charset="0"/>
               </a:rPr>
-              <a:t>Ángulos </a:t>
-            </a:r>
-            <a:r>
-              <a:rPr lang="es-CO" sz="1050" smtClean="0">
+              <a:t>án</a:t>
+            </a:r>
+            <a:r>
+              <a:rPr lang="es-CO" sz="1050" dirty="0" smtClean="0">
                 <a:solidFill>
                   <a:schemeClr val="bg1"/>
                 </a:solidFill>
                 <a:cs typeface="Arial" pitchFamily="34" charset="0"/>
               </a:rPr>
-              <a:t>correspondientes congruentes y </a:t>
+              <a:t>gulos </a:t>
             </a:r>
             <a:r>
               <a:rPr lang="es-CO" sz="1050" dirty="0" smtClean="0">
@@ -1941,7 +1941,7 @@
                 </a:solidFill>
                 <a:cs typeface="Arial" pitchFamily="34" charset="0"/>
               </a:rPr>
-              <a:t>lados correspondientes proporcionales </a:t>
+              <a:t>correspondientes congruentes y lados correspondientes proporcionales </a:t>
             </a:r>
             <a:endParaRPr lang="es-CO" sz="1050" dirty="0">
               <a:solidFill>
@@ -3308,7 +3308,15 @@
             </a:r>
             <a:r>
               <a:rPr lang="es-ES_tradnl" sz="900" i="1" dirty="0" smtClean="0"/>
-              <a:t>¬p→ ¬q</a:t>
+              <a:t>¬</a:t>
+            </a:r>
+            <a:r>
+              <a:rPr lang="es-ES_tradnl" sz="900" i="1" dirty="0"/>
+              <a:t>q</a:t>
+            </a:r>
+            <a:r>
+              <a:rPr lang="es-ES_tradnl" sz="900" i="1" dirty="0" smtClean="0"/>
+              <a:t> → ¬p</a:t>
             </a:r>
             <a:r>
               <a:rPr lang="es-ES_tradnl" sz="900" dirty="0" smtClean="0"/>
@@ -4529,7 +4537,7 @@
                 </a:solidFill>
                 <a:cs typeface="Arial" pitchFamily="34" charset="0"/>
               </a:rPr>
-              <a:t> estoces  q es verdad </a:t>
+              <a:t> entonces  q es verdad </a:t>
             </a:r>
           </a:p>
           <a:p>

--- a/fuentes/contenidos/grado09/guion09/MapaConceptual_MA_09_09_CO.pptx
+++ b/fuentes/contenidos/grado09/guion09/MapaConceptual_MA_09_09_CO.pptx
@@ -8,7 +8,7 @@
     <p:sldId id="257" r:id="rId2"/>
   </p:sldIdLst>
   <p:sldSz cx="13681075" cy="9361488"/>
-  <p:notesSz cx="6794500" cy="9918700"/>
+  <p:notesSz cx="7315200" cy="9601200"/>
   <p:defaultTextStyle>
     <a:defPPr>
       <a:defRPr lang="es-ES"/>
@@ -150,13 +150,6 @@
   <p:clrMapOvr>
     <a:masterClrMapping/>
   </p:clrMapOvr>
-  <p:timing>
-    <p:tnLst>
-      <p:par>
-        <p:cTn id="1" dur="indefinite" restart="never" nodeType="tmRoot"/>
-      </p:par>
-    </p:tnLst>
-  </p:timing>
 </p:sldLayout>
 </file>
 
@@ -187,13 +180,6 @@
   <p:clrMapOvr>
     <a:masterClrMapping/>
   </p:clrMapOvr>
-  <p:timing>
-    <p:tnLst>
-      <p:par>
-        <p:cTn id="1" dur="indefinite" restart="never" nodeType="tmRoot"/>
-      </p:par>
-    </p:tnLst>
-  </p:timing>
 </p:sldLayout>
 </file>
 
@@ -224,13 +210,6 @@
   <p:clrMapOvr>
     <a:masterClrMapping/>
   </p:clrMapOvr>
-  <p:timing>
-    <p:tnLst>
-      <p:par>
-        <p:cTn id="1" dur="indefinite" restart="never" nodeType="tmRoot"/>
-      </p:par>
-    </p:tnLst>
-  </p:timing>
 </p:sldLayout>
 </file>
 
@@ -261,13 +240,6 @@
   <p:clrMapOvr>
     <a:masterClrMapping/>
   </p:clrMapOvr>
-  <p:timing>
-    <p:tnLst>
-      <p:par>
-        <p:cTn id="1" dur="indefinite" restart="never" nodeType="tmRoot"/>
-      </p:par>
-    </p:tnLst>
-  </p:timing>
 </p:sldLayout>
 </file>
 
@@ -298,13 +270,6 @@
   <p:clrMapOvr>
     <a:masterClrMapping/>
   </p:clrMapOvr>
-  <p:timing>
-    <p:tnLst>
-      <p:par>
-        <p:cTn id="1" dur="indefinite" restart="never" nodeType="tmRoot"/>
-      </p:par>
-    </p:tnLst>
-  </p:timing>
 </p:sldLayout>
 </file>
 
@@ -335,13 +300,6 @@
   <p:clrMapOvr>
     <a:masterClrMapping/>
   </p:clrMapOvr>
-  <p:timing>
-    <p:tnLst>
-      <p:par>
-        <p:cTn id="1" dur="indefinite" restart="never" nodeType="tmRoot"/>
-      </p:par>
-    </p:tnLst>
-  </p:timing>
 </p:sldLayout>
 </file>
 
@@ -372,13 +330,6 @@
   <p:clrMapOvr>
     <a:masterClrMapping/>
   </p:clrMapOvr>
-  <p:timing>
-    <p:tnLst>
-      <p:par>
-        <p:cTn id="1" dur="indefinite" restart="never" nodeType="tmRoot"/>
-      </p:par>
-    </p:tnLst>
-  </p:timing>
 </p:sldLayout>
 </file>
 
@@ -409,13 +360,6 @@
   <p:clrMapOvr>
     <a:masterClrMapping/>
   </p:clrMapOvr>
-  <p:timing>
-    <p:tnLst>
-      <p:par>
-        <p:cTn id="1" dur="indefinite" restart="never" nodeType="tmRoot"/>
-      </p:par>
-    </p:tnLst>
-  </p:timing>
 </p:sldLayout>
 </file>
 
@@ -462,7 +406,7 @@
             <a:fld id="{5001C876-01F7-4317-94B9-1AE222133113}" type="datetimeFigureOut">
               <a:rPr lang="es-ES" smtClean="0"/>
               <a:pPr/>
-              <a:t>29/02/2016</a:t>
+              <a:t>06/04/2016</a:t>
             </a:fld>
             <a:endParaRPr lang="es-ES"/>
           </a:p>
@@ -537,13 +481,6 @@
   <p:clrMapOvr>
     <a:masterClrMapping/>
   </p:clrMapOvr>
-  <p:timing>
-    <p:tnLst>
-      <p:par>
-        <p:cTn id="1" dur="indefinite" restart="never" nodeType="tmRoot"/>
-      </p:par>
-    </p:tnLst>
-  </p:timing>
 </p:sldLayout>
 </file>
 
@@ -574,13 +511,6 @@
   <p:clrMapOvr>
     <a:masterClrMapping/>
   </p:clrMapOvr>
-  <p:timing>
-    <p:tnLst>
-      <p:par>
-        <p:cTn id="1" dur="indefinite" restart="never" nodeType="tmRoot"/>
-      </p:par>
-    </p:tnLst>
-  </p:timing>
 </p:sldLayout>
 </file>
 
@@ -611,13 +541,6 @@
   <p:clrMapOvr>
     <a:masterClrMapping/>
   </p:clrMapOvr>
-  <p:timing>
-    <p:tnLst>
-      <p:par>
-        <p:cTn id="1" dur="indefinite" restart="never" nodeType="tmRoot"/>
-      </p:par>
-    </p:tnLst>
-  </p:timing>
 </p:sldLayout>
 </file>
 
@@ -667,16 +590,12 @@
           <a:p>
             <a:pPr algn="ctr"/>
             <a:r>
-              <a:rPr lang="es-ES" sz="1400" dirty="0" smtClean="0">
+              <a:rPr lang="es-ES" sz="1400" dirty="0">
                 <a:latin typeface="Arial" panose="020B0604020202020204" pitchFamily="34" charset="0"/>
                 <a:cs typeface="Arial" panose="020B0604020202020204" pitchFamily="34" charset="0"/>
               </a:rPr>
-              <a:t>© Editorial Planeta Colombiana S.A., 2015.</a:t>
-            </a:r>
-            <a:endParaRPr lang="es-ES" sz="1400" dirty="0">
-              <a:latin typeface="Arial" panose="020B0604020202020204" pitchFamily="34" charset="0"/>
-              <a:cs typeface="Arial" panose="020B0604020202020204" pitchFamily="34" charset="0"/>
-            </a:endParaRPr>
+              <a:t>© Editorial Planeta Colombiana S.A., 2016.</a:t>
+            </a:r>
           </a:p>
         </p:txBody>
       </p:sp>
@@ -731,13 +650,6 @@
     <p:sldLayoutId id="2147483670" r:id="rId10"/>
     <p:sldLayoutId id="2147483671" r:id="rId11"/>
   </p:sldLayoutIdLst>
-  <p:timing>
-    <p:tnLst>
-      <p:par>
-        <p:cTn id="1" dur="indefinite" restart="never" nodeType="tmRoot"/>
-      </p:par>
-    </p:tnLst>
-  </p:timing>
   <p:txStyles>
     <p:titleStyle>
       <a:lvl1pPr algn="l" defTabSz="1056822" rtl="0" eaLnBrk="1" latinLnBrk="0" hangingPunct="1">
@@ -1073,7 +985,7 @@
           <a:p>
             <a:pPr algn="ctr"/>
             <a:r>
-              <a:rPr lang="es-CO" sz="1900" b="1" dirty="0" smtClean="0">
+              <a:rPr lang="es-CO" sz="1900" b="1" dirty="0">
                 <a:solidFill>
                   <a:schemeClr val="tx1"/>
                 </a:solidFill>
@@ -1081,12 +993,6 @@
               </a:rPr>
               <a:t>Los métodos de razonamiento y la semejanza</a:t>
             </a:r>
-            <a:endParaRPr lang="es-CO" sz="1900" b="1" dirty="0">
-              <a:solidFill>
-                <a:schemeClr val="tx1"/>
-              </a:solidFill>
-              <a:cs typeface="Arial" pitchFamily="34" charset="0"/>
-            </a:endParaRPr>
           </a:p>
         </p:txBody>
       </p:sp>
@@ -1128,7 +1034,7 @@
           <a:p>
             <a:pPr algn="ctr"/>
             <a:r>
-              <a:rPr lang="es-CO" sz="1400" b="1" dirty="0" smtClean="0">
+              <a:rPr lang="es-CO" sz="1400" b="1" dirty="0">
                 <a:solidFill>
                   <a:schemeClr val="tx1"/>
                 </a:solidFill>
@@ -1136,12 +1042,6 @@
               </a:rPr>
               <a:t>Métodos de demostración   </a:t>
             </a:r>
-            <a:endParaRPr lang="es-CO" sz="1400" b="1" dirty="0">
-              <a:solidFill>
-                <a:schemeClr val="tx1"/>
-              </a:solidFill>
-              <a:cs typeface="Arial" pitchFamily="34" charset="0"/>
-            </a:endParaRPr>
           </a:p>
         </p:txBody>
       </p:sp>
@@ -1183,7 +1083,7 @@
           <a:p>
             <a:pPr algn="ctr"/>
             <a:r>
-              <a:rPr lang="es-CO" sz="900" dirty="0" smtClean="0">
+              <a:rPr lang="es-CO" sz="900" dirty="0">
                 <a:solidFill>
                   <a:schemeClr val="tx1"/>
                 </a:solidFill>
@@ -1191,12 +1091,6 @@
               </a:rPr>
               <a:t>se define como   </a:t>
             </a:r>
-            <a:endParaRPr lang="es-CO" sz="900" dirty="0">
-              <a:solidFill>
-                <a:schemeClr val="tx1"/>
-              </a:solidFill>
-              <a:cs typeface="Arial" pitchFamily="34" charset="0"/>
-            </a:endParaRPr>
           </a:p>
         </p:txBody>
       </p:sp>
@@ -1279,7 +1173,7 @@
           <a:p>
             <a:pPr algn="ctr"/>
             <a:r>
-              <a:rPr lang="es-ES_tradnl" sz="1050" dirty="0" smtClean="0">
+              <a:rPr lang="es-ES_tradnl" sz="1050" dirty="0">
                 <a:solidFill>
                   <a:schemeClr val="bg1"/>
                 </a:solidFill>
@@ -1372,7 +1266,7 @@
           <a:p>
             <a:pPr algn="ctr"/>
             <a:r>
-              <a:rPr lang="es-CO" sz="1400" b="1" dirty="0" smtClean="0">
+              <a:rPr lang="es-CO" sz="1400" b="1" dirty="0">
                 <a:solidFill>
                   <a:schemeClr val="tx1"/>
                 </a:solidFill>
@@ -1380,12 +1274,6 @@
               </a:rPr>
               <a:t>Semejanza de triángulos     </a:t>
             </a:r>
-            <a:endParaRPr lang="es-CO" sz="1400" b="1" dirty="0">
-              <a:solidFill>
-                <a:schemeClr val="tx1"/>
-              </a:solidFill>
-              <a:cs typeface="Arial" pitchFamily="34" charset="0"/>
-            </a:endParaRPr>
           </a:p>
         </p:txBody>
       </p:sp>
@@ -1509,7 +1397,7 @@
           <a:p>
             <a:pPr algn="ctr"/>
             <a:r>
-              <a:rPr lang="es-CO" sz="900" dirty="0" smtClean="0">
+              <a:rPr lang="es-CO" sz="900" dirty="0">
                 <a:solidFill>
                   <a:schemeClr val="tx1"/>
                 </a:solidFill>
@@ -1604,7 +1492,7 @@
           <a:p>
             <a:pPr algn="ctr"/>
             <a:r>
-              <a:rPr lang="es-CO" sz="900" dirty="0" smtClean="0">
+              <a:rPr lang="es-CO" sz="900" dirty="0">
                 <a:solidFill>
                   <a:schemeClr val="tx1"/>
                 </a:solidFill>
@@ -1612,12 +1500,6 @@
               </a:rPr>
               <a:t>por medio de    </a:t>
             </a:r>
-            <a:endParaRPr lang="es-CO" sz="900" dirty="0">
-              <a:solidFill>
-                <a:schemeClr val="tx1"/>
-              </a:solidFill>
-              <a:cs typeface="Arial" pitchFamily="34" charset="0"/>
-            </a:endParaRPr>
           </a:p>
         </p:txBody>
       </p:sp>
@@ -1659,7 +1541,7 @@
           <a:p>
             <a:pPr algn="ctr"/>
             <a:r>
-              <a:rPr lang="es-CO" sz="900" dirty="0" smtClean="0">
+              <a:rPr lang="es-CO" sz="900" dirty="0">
                 <a:solidFill>
                   <a:schemeClr val="tx1"/>
                 </a:solidFill>
@@ -1746,7 +1628,7 @@
           <a:p>
             <a:pPr algn="ctr"/>
             <a:r>
-              <a:rPr lang="es-CO" sz="900" dirty="0" smtClean="0">
+              <a:rPr lang="es-CO" sz="900" dirty="0">
                 <a:solidFill>
                   <a:schemeClr val="tx1"/>
                 </a:solidFill>
@@ -1754,12 +1636,6 @@
               </a:rPr>
               <a:t>se define como   </a:t>
             </a:r>
-            <a:endParaRPr lang="es-CO" sz="900" dirty="0">
-              <a:solidFill>
-                <a:schemeClr val="tx1"/>
-              </a:solidFill>
-              <a:cs typeface="Arial" pitchFamily="34" charset="0"/>
-            </a:endParaRPr>
           </a:p>
         </p:txBody>
       </p:sp>
@@ -1851,7 +1727,7 @@
         <p:spPr>
           <a:xfrm>
             <a:off x="10012778" y="5471429"/>
-            <a:ext cx="4257" cy="204451"/>
+            <a:ext cx="4257" cy="126057"/>
           </a:xfrm>
           <a:prstGeom prst="line">
             <a:avLst/>
@@ -1917,38 +1793,14 @@
           <a:p>
             <a:pPr algn="ctr"/>
             <a:r>
-              <a:rPr lang="es-CO" sz="1050" dirty="0" smtClean="0">
+              <a:rPr lang="es-CO" sz="1050" dirty="0">
                 <a:solidFill>
                   <a:schemeClr val="bg1"/>
                 </a:solidFill>
                 <a:cs typeface="Arial" pitchFamily="34" charset="0"/>
               </a:rPr>
-              <a:t>án</a:t>
-            </a:r>
-            <a:r>
-              <a:rPr lang="es-CO" sz="1050" dirty="0" smtClean="0">
-                <a:solidFill>
-                  <a:schemeClr val="bg1"/>
-                </a:solidFill>
-                <a:cs typeface="Arial" pitchFamily="34" charset="0"/>
-              </a:rPr>
-              <a:t>gulos </a:t>
-            </a:r>
-            <a:r>
-              <a:rPr lang="es-CO" sz="1050" dirty="0" smtClean="0">
-                <a:solidFill>
-                  <a:schemeClr val="bg1"/>
-                </a:solidFill>
-                <a:cs typeface="Arial" pitchFamily="34" charset="0"/>
-              </a:rPr>
-              <a:t>correspondientes congruentes y lados correspondientes proporcionales </a:t>
-            </a:r>
-            <a:endParaRPr lang="es-CO" sz="1050" dirty="0">
-              <a:solidFill>
-                <a:schemeClr val="bg1"/>
-              </a:solidFill>
-              <a:cs typeface="Arial" pitchFamily="34" charset="0"/>
-            </a:endParaRPr>
+              <a:t>ángulos correspondientes congruentes y lados correspondientes proporcionales </a:t>
+            </a:r>
           </a:p>
         </p:txBody>
       </p:sp>
@@ -1963,8 +1815,8 @@
         </p:nvCxnSpPr>
         <p:spPr>
           <a:xfrm>
-            <a:off x="11762663" y="5104888"/>
-            <a:ext cx="2715" cy="239645"/>
+            <a:off x="11762663" y="5134925"/>
+            <a:ext cx="2715" cy="120260"/>
           </a:xfrm>
           <a:prstGeom prst="line">
             <a:avLst/>
@@ -2041,8 +1893,8 @@
         </p:nvCxnSpPr>
         <p:spPr>
           <a:xfrm rot="16200000" flipH="1">
-            <a:off x="9819879" y="4311226"/>
-            <a:ext cx="390170" cy="1899"/>
+            <a:off x="9803778" y="4327327"/>
+            <a:ext cx="422372" cy="1899"/>
           </a:xfrm>
           <a:prstGeom prst="bentConnector3">
             <a:avLst>
@@ -2108,7 +1960,7 @@
           <a:p>
             <a:pPr algn="ctr"/>
             <a:r>
-              <a:rPr lang="es-CO" sz="900" dirty="0" smtClean="0">
+              <a:rPr lang="es-CO" sz="900" dirty="0">
                 <a:solidFill>
                   <a:schemeClr val="tx1"/>
                 </a:solidFill>
@@ -2116,12 +1968,6 @@
               </a:rPr>
               <a:t>algunos método son  </a:t>
             </a:r>
-            <a:endParaRPr lang="es-CO" sz="900" dirty="0">
-              <a:solidFill>
-                <a:schemeClr val="tx1"/>
-              </a:solidFill>
-              <a:cs typeface="Arial" pitchFamily="34" charset="0"/>
-            </a:endParaRPr>
           </a:p>
         </p:txBody>
       </p:sp>
@@ -2165,7 +2011,7 @@
           <a:p>
             <a:pPr algn="ctr"/>
             <a:r>
-              <a:rPr lang="es-CO" sz="900" dirty="0" smtClean="0">
+              <a:rPr lang="es-CO" sz="900" dirty="0">
                 <a:solidFill>
                   <a:schemeClr val="tx1"/>
                 </a:solidFill>
@@ -2220,7 +2066,7 @@
           <a:p>
             <a:pPr algn="ctr"/>
             <a:r>
-              <a:rPr lang="es-CO" sz="900" dirty="0" smtClean="0">
+              <a:rPr lang="es-CO" sz="900" dirty="0">
                 <a:solidFill>
                   <a:schemeClr val="tx1"/>
                 </a:solidFill>
@@ -2228,12 +2074,6 @@
               </a:rPr>
               <a:t>consiste en   </a:t>
             </a:r>
-            <a:endParaRPr lang="es-CO" sz="900" dirty="0">
-              <a:solidFill>
-                <a:schemeClr val="tx1"/>
-              </a:solidFill>
-              <a:cs typeface="Arial" pitchFamily="34" charset="0"/>
-            </a:endParaRPr>
           </a:p>
         </p:txBody>
       </p:sp>
@@ -2312,7 +2152,7 @@
           <a:lstStyle/>
           <a:p>
             <a:r>
-              <a:rPr lang="es-ES" sz="900" dirty="0" smtClean="0">
+              <a:rPr lang="es-ES" sz="900" dirty="0">
                 <a:solidFill>
                   <a:schemeClr val="tx1"/>
                 </a:solidFill>
@@ -2323,7 +2163,7 @@
           <a:p>
             <a:pPr algn="ctr"/>
             <a:r>
-              <a:rPr lang="es-ES" sz="900" dirty="0" smtClean="0">
+              <a:rPr lang="es-ES" sz="900" dirty="0">
                 <a:solidFill>
                   <a:schemeClr val="tx1"/>
                 </a:solidFill>
@@ -2545,7 +2385,7 @@
                 <a:tab pos="5395913" algn="r"/>
               </a:tabLst>
             </a:pPr>
-            <a:endParaRPr kumimoji="0" lang="es-ES" sz="1800" b="0" i="0" u="none" strike="noStrike" cap="none" normalizeH="0" baseline="0" dirty="0" smtClean="0">
+            <a:endParaRPr kumimoji="0" lang="es-ES" sz="1800" b="0" i="0" u="none" strike="noStrike" cap="none" normalizeH="0" baseline="0" dirty="0">
               <a:ln>
                 <a:noFill/>
               </a:ln>
@@ -2596,7 +2436,7 @@
           <a:p>
             <a:pPr algn="ctr"/>
             <a:r>
-              <a:rPr lang="es-CO" sz="900" dirty="0" smtClean="0">
+              <a:rPr lang="es-CO" sz="900" dirty="0">
                 <a:solidFill>
                   <a:schemeClr val="tx1"/>
                 </a:solidFill>
@@ -2604,12 +2444,6 @@
               </a:rPr>
               <a:t>consiste  en   </a:t>
             </a:r>
-            <a:endParaRPr lang="es-CO" sz="900" dirty="0">
-              <a:solidFill>
-                <a:schemeClr val="tx1"/>
-              </a:solidFill>
-              <a:cs typeface="Arial" pitchFamily="34" charset="0"/>
-            </a:endParaRPr>
           </a:p>
         </p:txBody>
       </p:sp>
@@ -2659,7 +2493,7 @@
         </p:nvSpPr>
         <p:spPr>
           <a:xfrm>
-            <a:off x="1251722" y="5580674"/>
+            <a:off x="1251722" y="5615606"/>
             <a:ext cx="1260000" cy="715539"/>
           </a:xfrm>
           <a:prstGeom prst="rect">
@@ -2688,7 +2522,7 @@
           <a:lstStyle/>
           <a:p>
             <a:r>
-              <a:rPr lang="es-ES" sz="900" dirty="0" smtClean="0">
+              <a:rPr lang="es-ES" sz="900" dirty="0">
                 <a:solidFill>
                   <a:schemeClr val="tx1"/>
                 </a:solidFill>
@@ -2699,19 +2533,19 @@
           <a:p>
             <a:pPr algn="ctr"/>
             <a:r>
-              <a:rPr lang="es-ES" sz="900" dirty="0" smtClean="0">
-                <a:solidFill>
-                  <a:schemeClr val="tx1"/>
-                </a:solidFill>
-              </a:rPr>
-              <a:t>Plantear un preposición </a:t>
-            </a:r>
-            <a:r>
-              <a:rPr lang="es-ES_tradnl" sz="900" i="1" dirty="0" smtClean="0"/>
+              <a:rPr lang="es-ES" sz="900" dirty="0">
+                <a:solidFill>
+                  <a:schemeClr val="tx1"/>
+                </a:solidFill>
+              </a:rPr>
+              <a:t>plantear una preposición </a:t>
+            </a:r>
+            <a:r>
+              <a:rPr lang="es-ES_tradnl" sz="900" i="1" dirty="0"/>
               <a:t>p → q</a:t>
             </a:r>
             <a:r>
-              <a:rPr lang="es-ES" sz="900" dirty="0" smtClean="0">
+              <a:rPr lang="es-ES" sz="900" dirty="0">
                 <a:solidFill>
                   <a:schemeClr val="tx1"/>
                 </a:solidFill>
@@ -2742,7 +2576,7 @@
         <p:spPr>
           <a:xfrm flipH="1">
             <a:off x="1881722" y="5468361"/>
-            <a:ext cx="199" cy="112313"/>
+            <a:ext cx="199" cy="147245"/>
           </a:xfrm>
           <a:prstGeom prst="line">
             <a:avLst/>
@@ -2776,7 +2610,7 @@
         </p:nvSpPr>
         <p:spPr>
           <a:xfrm>
-            <a:off x="1337967" y="6467771"/>
+            <a:off x="1337967" y="6516496"/>
             <a:ext cx="1095738" cy="221963"/>
           </a:xfrm>
           <a:prstGeom prst="rect">
@@ -2806,7 +2640,7 @@
           <a:p>
             <a:pPr algn="ctr"/>
             <a:r>
-              <a:rPr lang="es-CO" sz="900" dirty="0" smtClean="0">
+              <a:rPr lang="es-CO" sz="900" dirty="0">
                 <a:solidFill>
                   <a:schemeClr val="tx1"/>
                 </a:solidFill>
@@ -2814,12 +2648,6 @@
               </a:rPr>
               <a:t>donde     </a:t>
             </a:r>
-            <a:endParaRPr lang="es-CO" sz="900" dirty="0">
-              <a:solidFill>
-                <a:schemeClr val="tx1"/>
-              </a:solidFill>
-              <a:cs typeface="Arial" pitchFamily="34" charset="0"/>
-            </a:endParaRPr>
           </a:p>
         </p:txBody>
       </p:sp>
@@ -2834,8 +2662,8 @@
         </p:nvCxnSpPr>
         <p:spPr>
           <a:xfrm>
-            <a:off x="1881722" y="6296213"/>
-            <a:ext cx="4114" cy="171558"/>
+            <a:off x="1881722" y="6331145"/>
+            <a:ext cx="4114" cy="185351"/>
           </a:xfrm>
           <a:prstGeom prst="line">
             <a:avLst/>
@@ -2869,7 +2697,7 @@
         </p:nvSpPr>
         <p:spPr>
           <a:xfrm>
-            <a:off x="1259667" y="6825342"/>
+            <a:off x="1259667" y="6944868"/>
             <a:ext cx="1260000" cy="715539"/>
           </a:xfrm>
           <a:prstGeom prst="rect">
@@ -2899,7 +2727,7 @@
           <a:p>
             <a:pPr algn="ctr"/>
             <a:r>
-              <a:rPr lang="es-CO" sz="900" dirty="0" smtClean="0">
+              <a:rPr lang="es-CO" sz="900" dirty="0">
                 <a:solidFill>
                   <a:schemeClr val="tx1"/>
                 </a:solidFill>
@@ -2911,7 +2739,7 @@
           <a:p>
             <a:pPr algn="ctr"/>
             <a:r>
-              <a:rPr lang="es-CO" sz="900" dirty="0" smtClean="0">
+              <a:rPr lang="es-CO" sz="900" dirty="0">
                 <a:solidFill>
                   <a:schemeClr val="tx1"/>
                 </a:solidFill>
@@ -2942,8 +2770,8 @@
         </p:nvCxnSpPr>
         <p:spPr>
           <a:xfrm>
-            <a:off x="1885836" y="6689734"/>
-            <a:ext cx="3831" cy="135608"/>
+            <a:off x="1885836" y="6738459"/>
+            <a:ext cx="3831" cy="206409"/>
           </a:xfrm>
           <a:prstGeom prst="line">
             <a:avLst/>
@@ -2980,8 +2808,8 @@
         </p:nvCxnSpPr>
         <p:spPr>
           <a:xfrm>
-            <a:off x="1892946" y="8048625"/>
-            <a:ext cx="1004" cy="194923"/>
+            <a:off x="1892946" y="8112491"/>
+            <a:ext cx="1004" cy="140581"/>
           </a:xfrm>
           <a:prstGeom prst="line">
             <a:avLst/>
@@ -3015,7 +2843,7 @@
         </p:nvSpPr>
         <p:spPr>
           <a:xfrm>
-            <a:off x="1452267" y="7754758"/>
+            <a:off x="1452267" y="7818624"/>
             <a:ext cx="881358" cy="293867"/>
           </a:xfrm>
           <a:prstGeom prst="rect">
@@ -3045,7 +2873,7 @@
           <a:p>
             <a:pPr algn="ctr"/>
             <a:r>
-              <a:rPr lang="es-CO" sz="900" dirty="0" smtClean="0">
+              <a:rPr lang="es-CO" sz="900" dirty="0">
                 <a:solidFill>
                   <a:schemeClr val="tx1"/>
                 </a:solidFill>
@@ -3053,12 +2881,6 @@
               </a:rPr>
               <a:t>entonces    </a:t>
             </a:r>
-            <a:endParaRPr lang="es-CO" sz="900" dirty="0">
-              <a:solidFill>
-                <a:schemeClr val="tx1"/>
-              </a:solidFill>
-              <a:cs typeface="Arial" pitchFamily="34" charset="0"/>
-            </a:endParaRPr>
           </a:p>
         </p:txBody>
       </p:sp>
@@ -3073,8 +2895,8 @@
         </p:nvCxnSpPr>
         <p:spPr>
           <a:xfrm>
-            <a:off x="1889667" y="7540881"/>
-            <a:ext cx="3279" cy="213877"/>
+            <a:off x="1889667" y="7660407"/>
+            <a:ext cx="3279" cy="158217"/>
           </a:xfrm>
           <a:prstGeom prst="line">
             <a:avLst/>
@@ -3140,7 +2962,7 @@
           <a:p>
             <a:pPr algn="ctr"/>
             <a:r>
-              <a:rPr lang="es-CO" sz="900" dirty="0" smtClean="0">
+              <a:rPr lang="es-CO" sz="900" dirty="0">
                 <a:solidFill>
                   <a:schemeClr val="tx1"/>
                 </a:solidFill>
@@ -3235,7 +3057,7 @@
           <a:p>
             <a:pPr algn="ctr"/>
             <a:r>
-              <a:rPr lang="es-CO" sz="900" dirty="0" smtClean="0">
+              <a:rPr lang="es-CO" sz="900" dirty="0">
                 <a:solidFill>
                   <a:schemeClr val="tx1"/>
                 </a:solidFill>
@@ -3243,12 +3065,6 @@
               </a:rPr>
               <a:t>consiste en    </a:t>
             </a:r>
-            <a:endParaRPr lang="es-CO" sz="900" dirty="0">
-              <a:solidFill>
-                <a:schemeClr val="tx1"/>
-              </a:solidFill>
-              <a:cs typeface="Arial" pitchFamily="34" charset="0"/>
-            </a:endParaRPr>
           </a:p>
         </p:txBody>
       </p:sp>
@@ -3260,7 +3076,7 @@
         </p:nvSpPr>
         <p:spPr>
           <a:xfrm>
-            <a:off x="2825927" y="5598660"/>
+            <a:off x="2825927" y="5620747"/>
             <a:ext cx="1260000" cy="715539"/>
           </a:xfrm>
           <a:prstGeom prst="rect">
@@ -3290,7 +3106,7 @@
           <a:p>
             <a:pPr algn="ctr"/>
             <a:r>
-              <a:rPr lang="es-ES" sz="900" i="1" dirty="0" smtClean="0">
+              <a:rPr lang="es-ES" sz="900" i="1" dirty="0">
                 <a:solidFill>
                   <a:schemeClr val="tx1"/>
                 </a:solidFill>
@@ -3298,28 +3114,20 @@
               <a:t> </a:t>
             </a:r>
             <a:r>
-              <a:rPr lang="es-CO" sz="900" dirty="0" smtClean="0">
+              <a:rPr lang="es-CO" sz="900" dirty="0">
                 <a:solidFill>
                   <a:schemeClr val="tx1"/>
                 </a:solidFill>
                 <a:cs typeface="Arial" pitchFamily="34" charset="0"/>
               </a:rPr>
-              <a:t>Plantear una preposición </a:t>
-            </a:r>
-            <a:r>
-              <a:rPr lang="es-ES_tradnl" sz="900" i="1" dirty="0" smtClean="0"/>
-              <a:t>¬</a:t>
+              <a:t>plantear una preposición </a:t>
             </a:r>
             <a:r>
               <a:rPr lang="es-ES_tradnl" sz="900" i="1" dirty="0"/>
-              <a:t>q</a:t>
-            </a:r>
-            <a:r>
-              <a:rPr lang="es-ES_tradnl" sz="900" i="1" dirty="0" smtClean="0"/>
-              <a:t> → ¬p</a:t>
-            </a:r>
-            <a:r>
-              <a:rPr lang="es-ES_tradnl" sz="900" dirty="0" smtClean="0"/>
+              <a:t>¬q → ¬p</a:t>
+            </a:r>
+            <a:r>
+              <a:rPr lang="es-ES_tradnl" sz="900" dirty="0"/>
               <a:t> </a:t>
             </a:r>
             <a:endParaRPr lang="es-CO" sz="900" dirty="0">
@@ -3381,7 +3189,7 @@
         <p:spPr>
           <a:xfrm flipH="1">
             <a:off x="3455927" y="5491640"/>
-            <a:ext cx="199" cy="107020"/>
+            <a:ext cx="199" cy="129107"/>
           </a:xfrm>
           <a:prstGeom prst="line">
             <a:avLst/>
@@ -3415,7 +3223,7 @@
         </p:nvSpPr>
         <p:spPr>
           <a:xfrm>
-            <a:off x="2908264" y="6480467"/>
+            <a:off x="2908264" y="6502633"/>
             <a:ext cx="1095738" cy="221963"/>
           </a:xfrm>
           <a:prstGeom prst="rect">
@@ -3445,7 +3253,7 @@
           <a:p>
             <a:pPr algn="ctr"/>
             <a:r>
-              <a:rPr lang="es-CO" sz="900" dirty="0" smtClean="0">
+              <a:rPr lang="es-CO" sz="900" dirty="0">
                 <a:solidFill>
                   <a:schemeClr val="tx1"/>
                 </a:solidFill>
@@ -3453,12 +3261,6 @@
               </a:rPr>
               <a:t>donde     </a:t>
             </a:r>
-            <a:endParaRPr lang="es-CO" sz="900" dirty="0">
-              <a:solidFill>
-                <a:schemeClr val="tx1"/>
-              </a:solidFill>
-              <a:cs typeface="Arial" pitchFamily="34" charset="0"/>
-            </a:endParaRPr>
           </a:p>
         </p:txBody>
       </p:sp>
@@ -3470,7 +3272,7 @@
         </p:nvSpPr>
         <p:spPr>
           <a:xfrm>
-            <a:off x="2826056" y="6843328"/>
+            <a:off x="2826056" y="6945096"/>
             <a:ext cx="1260000" cy="715539"/>
           </a:xfrm>
           <a:prstGeom prst="rect">
@@ -3500,18 +3302,18 @@
           <a:p>
             <a:pPr algn="ctr"/>
             <a:r>
-              <a:rPr lang="es-ES_tradnl" sz="900" dirty="0" smtClean="0"/>
+              <a:rPr lang="es-ES_tradnl" sz="900" dirty="0"/>
               <a:t>¬p: negación hipótesis </a:t>
             </a:r>
           </a:p>
           <a:p>
             <a:pPr algn="ctr"/>
             <a:r>
-              <a:rPr lang="es-ES_tradnl" sz="900" i="1" dirty="0" smtClean="0"/>
+              <a:rPr lang="es-ES_tradnl" sz="900" i="1" dirty="0"/>
               <a:t> ¬q</a:t>
             </a:r>
             <a:r>
-              <a:rPr lang="es-ES_tradnl" sz="900" dirty="0" smtClean="0"/>
+              <a:rPr lang="es-ES_tradnl" sz="900" dirty="0"/>
               <a:t>  negación tesis </a:t>
             </a:r>
             <a:endParaRPr lang="es-CO" sz="900" dirty="0">
@@ -3534,8 +3336,8 @@
         </p:nvCxnSpPr>
         <p:spPr>
           <a:xfrm>
-            <a:off x="3455927" y="6314199"/>
-            <a:ext cx="206" cy="166268"/>
+            <a:off x="3455927" y="6336286"/>
+            <a:ext cx="206" cy="166347"/>
           </a:xfrm>
           <a:prstGeom prst="line">
             <a:avLst/>
@@ -3572,8 +3374,8 @@
         </p:nvCxnSpPr>
         <p:spPr>
           <a:xfrm flipH="1">
-            <a:off x="3456056" y="6702430"/>
-            <a:ext cx="77" cy="140898"/>
+            <a:off x="3456056" y="6724596"/>
+            <a:ext cx="77" cy="220500"/>
           </a:xfrm>
           <a:prstGeom prst="line">
             <a:avLst/>
@@ -3607,7 +3409,7 @@
         </p:nvSpPr>
         <p:spPr>
           <a:xfrm>
-            <a:off x="2908264" y="7809376"/>
+            <a:off x="2908264" y="7856230"/>
             <a:ext cx="1095738" cy="221963"/>
           </a:xfrm>
           <a:prstGeom prst="rect">
@@ -3637,7 +3439,7 @@
           <a:p>
             <a:pPr algn="ctr"/>
             <a:r>
-              <a:rPr lang="es-CO" sz="900" dirty="0" smtClean="0">
+              <a:rPr lang="es-CO" sz="900" dirty="0">
                 <a:solidFill>
                   <a:schemeClr val="tx1"/>
                 </a:solidFill>
@@ -3645,12 +3447,6 @@
               </a:rPr>
               <a:t>entonces  </a:t>
             </a:r>
-            <a:endParaRPr lang="es-CO" sz="900" dirty="0">
-              <a:solidFill>
-                <a:schemeClr val="tx1"/>
-              </a:solidFill>
-              <a:cs typeface="Arial" pitchFamily="34" charset="0"/>
-            </a:endParaRPr>
           </a:p>
         </p:txBody>
       </p:sp>
@@ -3662,7 +3458,7 @@
         </p:nvSpPr>
         <p:spPr>
           <a:xfrm>
-            <a:off x="1263950" y="8243548"/>
+            <a:off x="1263950" y="8253072"/>
             <a:ext cx="1260000" cy="715539"/>
           </a:xfrm>
           <a:prstGeom prst="rect">
@@ -3692,7 +3488,7 @@
           <a:p>
             <a:pPr algn="ctr"/>
             <a:r>
-              <a:rPr lang="es-CO" sz="900" dirty="0" smtClean="0">
+              <a:rPr lang="es-CO" sz="900" dirty="0">
                 <a:solidFill>
                   <a:schemeClr val="tx1"/>
                 </a:solidFill>
@@ -3723,8 +3519,8 @@
         </p:nvCxnSpPr>
         <p:spPr>
           <a:xfrm>
-            <a:off x="3456056" y="7558867"/>
-            <a:ext cx="77" cy="250509"/>
+            <a:off x="3456056" y="7660635"/>
+            <a:ext cx="77" cy="195595"/>
           </a:xfrm>
           <a:prstGeom prst="line">
             <a:avLst/>
@@ -3761,8 +3557,8 @@
         </p:nvCxnSpPr>
         <p:spPr>
           <a:xfrm flipH="1">
-            <a:off x="3456050" y="8031339"/>
-            <a:ext cx="83" cy="221734"/>
+            <a:off x="3456050" y="8078193"/>
+            <a:ext cx="83" cy="174880"/>
           </a:xfrm>
           <a:prstGeom prst="line">
             <a:avLst/>
@@ -3800,7 +3596,7 @@
         <p:spPr>
           <a:xfrm flipH="1">
             <a:off x="10022100" y="6757304"/>
-            <a:ext cx="203" cy="156826"/>
+            <a:ext cx="203" cy="185491"/>
           </a:xfrm>
           <a:prstGeom prst="line">
             <a:avLst/>
@@ -3864,7 +3660,7 @@
           <a:p>
             <a:pPr algn="ctr"/>
             <a:r>
-              <a:rPr lang="es-CO" sz="900" dirty="0" smtClean="0">
+              <a:rPr lang="es-CO" sz="900" dirty="0">
                 <a:solidFill>
                   <a:schemeClr val="tx1"/>
                 </a:solidFill>
@@ -3872,12 +3668,6 @@
               </a:rPr>
               <a:t>donde    </a:t>
             </a:r>
-            <a:endParaRPr lang="es-CO" sz="900" dirty="0">
-              <a:solidFill>
-                <a:schemeClr val="tx1"/>
-              </a:solidFill>
-              <a:cs typeface="Arial" pitchFamily="34" charset="0"/>
-            </a:endParaRPr>
           </a:p>
         </p:txBody>
       </p:sp>
@@ -3927,7 +3717,7 @@
         </p:nvSpPr>
         <p:spPr>
           <a:xfrm>
-            <a:off x="9417021" y="4507261"/>
+            <a:off x="9417021" y="4539463"/>
             <a:ext cx="1197786" cy="602489"/>
           </a:xfrm>
           <a:prstGeom prst="rect">
@@ -3959,19 +3749,19 @@
           <a:p>
             <a:pPr algn="ctr"/>
             <a:r>
-              <a:rPr lang="es-ES_tradnl" sz="900" i="1" dirty="0" smtClean="0"/>
+              <a:rPr lang="es-ES_tradnl" sz="900" i="1" dirty="0"/>
               <a:t>∆</a:t>
             </a:r>
             <a:r>
-              <a:rPr lang="es-ES_tradnl" sz="900" dirty="0" smtClean="0"/>
+              <a:rPr lang="es-ES_tradnl" sz="900" dirty="0"/>
               <a:t>ABC≈ </a:t>
             </a:r>
             <a:r>
-              <a:rPr lang="es-ES_tradnl" sz="900" i="1" dirty="0" smtClean="0"/>
+              <a:rPr lang="es-ES_tradnl" sz="900" i="1" dirty="0"/>
               <a:t>∆</a:t>
             </a:r>
             <a:r>
-              <a:rPr lang="es-ES_tradnl" sz="900" dirty="0" smtClean="0"/>
+              <a:rPr lang="es-ES_tradnl" sz="900" dirty="0"/>
               <a:t>DEF </a:t>
             </a:r>
             <a:endParaRPr lang="es-CO" sz="900" b="1" dirty="0">
@@ -3991,7 +3781,7 @@
         </p:nvSpPr>
         <p:spPr>
           <a:xfrm>
-            <a:off x="11163770" y="4502399"/>
+            <a:off x="11163770" y="4532436"/>
             <a:ext cx="1197786" cy="602489"/>
           </a:xfrm>
           <a:prstGeom prst="rect">
@@ -4023,7 +3813,7 @@
           <a:p>
             <a:pPr algn="ctr"/>
             <a:r>
-              <a:rPr lang="es-CO" sz="900" dirty="0" smtClean="0">
+              <a:rPr lang="es-CO" sz="900" dirty="0">
                 <a:solidFill>
                   <a:schemeClr val="tx1"/>
                 </a:solidFill>
@@ -4051,8 +3841,8 @@
         </p:nvCxnSpPr>
         <p:spPr>
           <a:xfrm rot="16200000" flipH="1">
-            <a:off x="10695685" y="3435421"/>
-            <a:ext cx="385308" cy="1748648"/>
+            <a:off x="10680667" y="3450439"/>
+            <a:ext cx="415345" cy="1748648"/>
           </a:xfrm>
           <a:prstGeom prst="bentConnector3">
             <a:avLst>
@@ -4118,7 +3908,7 @@
           <a:p>
             <a:pPr algn="ctr"/>
             <a:r>
-              <a:rPr lang="es-CO" sz="900" dirty="0" smtClean="0">
+              <a:rPr lang="es-CO" sz="900" dirty="0">
                 <a:solidFill>
                   <a:schemeClr val="tx1"/>
                 </a:solidFill>
@@ -4126,12 +3916,6 @@
               </a:rPr>
               <a:t>si    </a:t>
             </a:r>
-            <a:endParaRPr lang="es-CO" sz="900" dirty="0">
-              <a:solidFill>
-                <a:schemeClr val="tx1"/>
-              </a:solidFill>
-              <a:cs typeface="Arial" pitchFamily="34" charset="0"/>
-            </a:endParaRPr>
           </a:p>
         </p:txBody>
       </p:sp>
@@ -4143,7 +3927,7 @@
         </p:nvSpPr>
         <p:spPr>
           <a:xfrm>
-            <a:off x="9387035" y="5675880"/>
+            <a:off x="9387035" y="5597486"/>
             <a:ext cx="1260000" cy="715539"/>
           </a:xfrm>
           <a:prstGeom prst="rect">
@@ -4172,7 +3956,7 @@
           <a:lstStyle/>
           <a:p>
             <a:r>
-              <a:rPr lang="es-ES" sz="900" i="1" dirty="0" smtClean="0">
+              <a:rPr lang="es-ES" sz="900" i="1" dirty="0">
                 <a:solidFill>
                   <a:srgbClr val="FF0000"/>
                 </a:solidFill>
@@ -4183,7 +3967,7 @@
           <a:p>
             <a:pPr algn="ctr"/>
             <a:r>
-              <a:rPr lang="es-ES" sz="900" dirty="0" smtClean="0">
+              <a:rPr lang="es-ES" sz="900" dirty="0">
                 <a:solidFill>
                   <a:srgbClr val="FF0000"/>
                 </a:solidFill>
@@ -4210,7 +3994,7 @@
         </p:nvSpPr>
         <p:spPr>
           <a:xfrm>
-            <a:off x="11144153" y="5755135"/>
+            <a:off x="11144153" y="5597408"/>
             <a:ext cx="1260000" cy="715539"/>
           </a:xfrm>
           <a:prstGeom prst="rect">
@@ -4239,7 +4023,7 @@
           <a:lstStyle/>
           <a:p>
             <a:r>
-              <a:rPr lang="es-ES" sz="900" i="1" dirty="0" smtClean="0">
+              <a:rPr lang="es-ES" sz="900" i="1" dirty="0">
                 <a:solidFill>
                   <a:schemeClr val="tx1"/>
                 </a:solidFill>
@@ -4250,7 +4034,7 @@
           <a:p>
             <a:pPr algn="ctr"/>
             <a:r>
-              <a:rPr lang="es-CO" sz="900" dirty="0" smtClean="0">
+              <a:rPr lang="es-CO" sz="900" dirty="0">
                 <a:solidFill>
                   <a:schemeClr val="tx1"/>
                 </a:solidFill>
@@ -4262,7 +4046,7 @@
           <a:p>
             <a:pPr algn="ctr"/>
             <a:r>
-              <a:rPr lang="es-CO" sz="900" dirty="0" smtClean="0">
+              <a:rPr lang="es-CO" sz="900" dirty="0">
                 <a:solidFill>
                   <a:schemeClr val="tx1"/>
                 </a:solidFill>
@@ -4284,8 +4068,8 @@
         </p:nvCxnSpPr>
         <p:spPr>
           <a:xfrm flipH="1">
-            <a:off x="10012778" y="5109750"/>
-            <a:ext cx="3136" cy="139716"/>
+            <a:off x="10012778" y="5141952"/>
+            <a:ext cx="3136" cy="107514"/>
           </a:xfrm>
           <a:prstGeom prst="line">
             <a:avLst/>
@@ -4319,7 +4103,7 @@
         </p:nvSpPr>
         <p:spPr>
           <a:xfrm>
-            <a:off x="11217509" y="5344533"/>
+            <a:off x="11217509" y="5255185"/>
             <a:ext cx="1095738" cy="221963"/>
           </a:xfrm>
           <a:prstGeom prst="rect">
@@ -4349,7 +4133,7 @@
           <a:p>
             <a:pPr algn="ctr"/>
             <a:r>
-              <a:rPr lang="es-CO" sz="900" dirty="0" smtClean="0">
+              <a:rPr lang="es-CO" sz="900" dirty="0">
                 <a:solidFill>
                   <a:schemeClr val="tx1"/>
                 </a:solidFill>
@@ -4357,12 +4141,6 @@
               </a:rPr>
               <a:t>son    </a:t>
             </a:r>
-            <a:endParaRPr lang="es-CO" sz="900" dirty="0">
-              <a:solidFill>
-                <a:schemeClr val="tx1"/>
-              </a:solidFill>
-              <a:cs typeface="Arial" pitchFamily="34" charset="0"/>
-            </a:endParaRPr>
           </a:p>
         </p:txBody>
       </p:sp>
@@ -4377,8 +4155,8 @@
         </p:nvCxnSpPr>
         <p:spPr>
           <a:xfrm>
-            <a:off x="11765378" y="5566496"/>
-            <a:ext cx="8775" cy="188639"/>
+            <a:off x="11765378" y="5477148"/>
+            <a:ext cx="8775" cy="120260"/>
           </a:xfrm>
           <a:prstGeom prst="line">
             <a:avLst/>
@@ -4415,8 +4193,8 @@
         </p:nvCxnSpPr>
         <p:spPr>
           <a:xfrm flipH="1" flipV="1">
-            <a:off x="11774153" y="6470674"/>
-            <a:ext cx="9525" cy="446511"/>
+            <a:off x="11774153" y="6312947"/>
+            <a:ext cx="9525" cy="629848"/>
           </a:xfrm>
           <a:prstGeom prst="line">
             <a:avLst/>
@@ -4453,8 +4231,8 @@
         </p:nvCxnSpPr>
         <p:spPr>
           <a:xfrm>
-            <a:off x="10017035" y="6391419"/>
-            <a:ext cx="5268" cy="143922"/>
+            <a:off x="10017035" y="6313025"/>
+            <a:ext cx="5268" cy="222316"/>
           </a:xfrm>
           <a:prstGeom prst="line">
             <a:avLst/>
@@ -4518,7 +4296,7 @@
           <a:p>
             <a:pPr algn="ctr"/>
             <a:r>
-              <a:rPr lang="es-CO" sz="900" dirty="0" smtClean="0">
+              <a:rPr lang="es-CO" sz="900" dirty="0">
                 <a:solidFill>
                   <a:schemeClr val="tx1"/>
                 </a:solidFill>
@@ -4527,11 +4305,11 @@
               <a:t>se  de muestra que </a:t>
             </a:r>
             <a:r>
-              <a:rPr lang="es-ES_tradnl" sz="900" dirty="0" smtClean="0"/>
+              <a:rPr lang="es-ES_tradnl" sz="900" dirty="0"/>
               <a:t>¬p→ ¬q es verdad </a:t>
             </a:r>
             <a:r>
-              <a:rPr lang="es-CO" sz="900" dirty="0" smtClean="0">
+              <a:rPr lang="es-CO" sz="900" dirty="0">
                 <a:solidFill>
                   <a:schemeClr val="tx1"/>
                 </a:solidFill>
@@ -4589,7 +4367,7 @@
           <a:p>
             <a:pPr algn="ctr"/>
             <a:r>
-              <a:rPr lang="es-CO" sz="900" dirty="0" smtClean="0">
+              <a:rPr lang="es-CO" sz="900" dirty="0">
                 <a:solidFill>
                   <a:schemeClr val="tx1"/>
                 </a:solidFill>
@@ -4597,12 +4375,6 @@
               </a:rPr>
               <a:t>entonces  </a:t>
             </a:r>
-            <a:endParaRPr lang="es-CO" sz="900" dirty="0">
-              <a:solidFill>
-                <a:schemeClr val="tx1"/>
-              </a:solidFill>
-              <a:cs typeface="Arial" pitchFamily="34" charset="0"/>
-            </a:endParaRPr>
           </a:p>
         </p:txBody>
       </p:sp>
@@ -4682,7 +4454,7 @@
           <a:p>
             <a:pPr algn="ctr"/>
             <a:r>
-              <a:rPr lang="es-CO" sz="900" dirty="0" smtClean="0">
+              <a:rPr lang="es-CO" sz="900" dirty="0">
                 <a:solidFill>
                   <a:schemeClr val="tx1"/>
                 </a:solidFill>
@@ -4757,7 +4529,7 @@
         </p:blipFill>
         <p:spPr bwMode="auto">
           <a:xfrm>
-            <a:off x="9642476" y="5961343"/>
+            <a:off x="9642476" y="5834669"/>
             <a:ext cx="835024" cy="241019"/>
           </a:xfrm>
           <a:prstGeom prst="rect">
@@ -4774,7 +4546,7 @@
         </p:nvSpPr>
         <p:spPr>
           <a:xfrm>
-            <a:off x="9392100" y="6914130"/>
+            <a:off x="9392100" y="6942795"/>
             <a:ext cx="1260000" cy="715539"/>
           </a:xfrm>
           <a:prstGeom prst="rect">
@@ -4814,7 +4586,7 @@
               </a:tabLst>
             </a:pPr>
             <a:r>
-              <a:rPr lang="es-ES_tradnl" sz="900" i="1" dirty="0" smtClean="0">
+              <a:rPr lang="es-ES_tradnl" sz="900" i="1" dirty="0">
                 <a:solidFill>
                   <a:schemeClr val="tx1"/>
                 </a:solidFill>
@@ -4825,7 +4597,7 @@
               <a:t>∡ </a:t>
             </a:r>
             <a:r>
-              <a:rPr lang="es-ES_tradnl" sz="900" i="1" dirty="0" smtClean="0">
+              <a:rPr lang="es-ES_tradnl" sz="900" i="1" dirty="0">
                 <a:solidFill>
                   <a:schemeClr val="tx1"/>
                 </a:solidFill>
@@ -4836,7 +4608,7 @@
               <a:t>CAB</a:t>
             </a:r>
             <a:r>
-              <a:rPr lang="es-ES_tradnl" sz="900" i="1" dirty="0" smtClean="0">
+              <a:rPr lang="es-ES_tradnl" sz="900" i="1" dirty="0">
                 <a:solidFill>
                   <a:schemeClr val="tx1"/>
                 </a:solidFill>
@@ -4847,7 +4619,7 @@
               <a:t>≅</a:t>
             </a:r>
             <a:r>
-              <a:rPr lang="es-ES_tradnl" sz="900" dirty="0" smtClean="0">
+              <a:rPr lang="es-ES_tradnl" sz="900" dirty="0">
                 <a:solidFill>
                   <a:schemeClr val="tx1"/>
                 </a:solidFill>
@@ -4858,7 +4630,7 @@
               <a:t> </a:t>
             </a:r>
             <a:r>
-              <a:rPr lang="es-ES_tradnl" sz="900" i="1" dirty="0" smtClean="0">
+              <a:rPr lang="es-ES_tradnl" sz="900" i="1" dirty="0">
                 <a:solidFill>
                   <a:schemeClr val="tx1"/>
                 </a:solidFill>
@@ -4869,7 +4641,7 @@
               <a:t> </a:t>
             </a:r>
             <a:r>
-              <a:rPr lang="es-ES_tradnl" sz="900" i="1" dirty="0" smtClean="0">
+              <a:rPr lang="es-ES_tradnl" sz="900" i="1" dirty="0">
                 <a:solidFill>
                   <a:schemeClr val="tx1"/>
                 </a:solidFill>
@@ -4893,7 +4665,7 @@
               </a:tabLst>
             </a:pPr>
             <a:r>
-              <a:rPr lang="es-ES_tradnl" sz="900" i="1" dirty="0" smtClean="0">
+              <a:rPr lang="es-ES_tradnl" sz="900" i="1" dirty="0">
                 <a:solidFill>
                   <a:schemeClr val="tx1"/>
                 </a:solidFill>
@@ -4904,7 +4676,7 @@
               <a:t>∡ </a:t>
             </a:r>
             <a:r>
-              <a:rPr lang="es-ES_tradnl" sz="900" i="1" dirty="0" smtClean="0">
+              <a:rPr lang="es-ES_tradnl" sz="900" i="1" dirty="0">
                 <a:solidFill>
                   <a:schemeClr val="tx1"/>
                 </a:solidFill>
@@ -4915,7 +4687,7 @@
               <a:t>ABC</a:t>
             </a:r>
             <a:r>
-              <a:rPr lang="es-ES_tradnl" sz="900" i="1" dirty="0" smtClean="0">
+              <a:rPr lang="es-ES_tradnl" sz="900" i="1" dirty="0">
                 <a:solidFill>
                   <a:schemeClr val="tx1"/>
                 </a:solidFill>
@@ -4926,7 +4698,7 @@
               <a:t>≅</a:t>
             </a:r>
             <a:r>
-              <a:rPr lang="es-ES_tradnl" sz="900" dirty="0" smtClean="0">
+              <a:rPr lang="es-ES_tradnl" sz="900" dirty="0">
                 <a:solidFill>
                   <a:schemeClr val="tx1"/>
                 </a:solidFill>
@@ -4937,7 +4709,7 @@
               <a:t> </a:t>
             </a:r>
             <a:r>
-              <a:rPr lang="es-ES_tradnl" sz="900" i="1" dirty="0" smtClean="0">
+              <a:rPr lang="es-ES_tradnl" sz="900" i="1" dirty="0">
                 <a:solidFill>
                   <a:schemeClr val="tx1"/>
                 </a:solidFill>
@@ -4948,7 +4720,7 @@
               <a:t>∡ </a:t>
             </a:r>
             <a:r>
-              <a:rPr lang="es-ES_tradnl" sz="900" i="1" dirty="0" smtClean="0">
+              <a:rPr lang="es-ES_tradnl" sz="900" i="1" dirty="0">
                 <a:solidFill>
                   <a:schemeClr val="tx1"/>
                 </a:solidFill>
@@ -4972,7 +4744,7 @@
               </a:tabLst>
             </a:pPr>
             <a:r>
-              <a:rPr lang="es-ES_tradnl" sz="900" i="1" dirty="0" smtClean="0">
+              <a:rPr lang="es-ES_tradnl" sz="900" i="1" dirty="0">
                 <a:solidFill>
                   <a:schemeClr val="tx1"/>
                 </a:solidFill>
@@ -4983,7 +4755,7 @@
               <a:t>∡ </a:t>
             </a:r>
             <a:r>
-              <a:rPr lang="es-ES_tradnl" sz="900" i="1" dirty="0" smtClean="0">
+              <a:rPr lang="es-ES_tradnl" sz="900" i="1" dirty="0">
                 <a:solidFill>
                   <a:schemeClr val="tx1"/>
                 </a:solidFill>
@@ -4994,7 +4766,7 @@
               <a:t>BCA</a:t>
             </a:r>
             <a:r>
-              <a:rPr lang="es-ES_tradnl" sz="900" i="1" dirty="0" smtClean="0">
+              <a:rPr lang="es-ES_tradnl" sz="900" i="1" dirty="0">
                 <a:solidFill>
                   <a:schemeClr val="tx1"/>
                 </a:solidFill>
@@ -5005,7 +4777,7 @@
               <a:t>≅</a:t>
             </a:r>
             <a:r>
-              <a:rPr lang="es-ES_tradnl" sz="900" dirty="0" smtClean="0">
+              <a:rPr lang="es-ES_tradnl" sz="900" dirty="0">
                 <a:solidFill>
                   <a:schemeClr val="tx1"/>
                 </a:solidFill>
@@ -5016,7 +4788,7 @@
               <a:t> </a:t>
             </a:r>
             <a:r>
-              <a:rPr lang="es-ES_tradnl" sz="900" i="1" dirty="0" smtClean="0">
+              <a:rPr lang="es-ES_tradnl" sz="900" i="1" dirty="0">
                 <a:solidFill>
                   <a:schemeClr val="tx1"/>
                 </a:solidFill>
@@ -5027,7 +4799,7 @@
               <a:t> </a:t>
             </a:r>
             <a:r>
-              <a:rPr lang="es-ES_tradnl" sz="900" i="1" dirty="0" smtClean="0">
+              <a:rPr lang="es-ES_tradnl" sz="900" i="1" dirty="0">
                 <a:solidFill>
                   <a:schemeClr val="tx1"/>
                 </a:solidFill>
@@ -5038,7 +4810,7 @@
               <a:t>∡ </a:t>
             </a:r>
             <a:r>
-              <a:rPr lang="es-ES_tradnl" sz="900" i="1" dirty="0" smtClean="0">
+              <a:rPr lang="es-ES_tradnl" sz="900" i="1" dirty="0">
                 <a:solidFill>
                   <a:schemeClr val="tx1"/>
                 </a:solidFill>
@@ -5048,7 +4820,7 @@
               </a:rPr>
               <a:t>EFD</a:t>
             </a:r>
-            <a:endParaRPr lang="es-ES_tradnl" sz="1100" dirty="0" smtClean="0">
+            <a:endParaRPr lang="es-ES_tradnl" sz="1100" dirty="0">
               <a:solidFill>
                 <a:schemeClr val="tx1"/>
               </a:solidFill>
@@ -5095,7 +4867,7 @@
           <a:p>
             <a:pPr algn="ctr"/>
             <a:r>
-              <a:rPr lang="es-CO" sz="900" dirty="0" smtClean="0">
+              <a:rPr lang="es-CO" sz="900" dirty="0">
                 <a:solidFill>
                   <a:schemeClr val="tx1"/>
                 </a:solidFill>
@@ -5103,12 +4875,6 @@
               </a:rPr>
               <a:t>y    </a:t>
             </a:r>
-            <a:endParaRPr lang="es-CO" sz="900" dirty="0">
-              <a:solidFill>
-                <a:schemeClr val="tx1"/>
-              </a:solidFill>
-              <a:cs typeface="Arial" pitchFamily="34" charset="0"/>
-            </a:endParaRPr>
           </a:p>
         </p:txBody>
       </p:sp>
@@ -5120,7 +4886,7 @@
         </p:nvSpPr>
         <p:spPr>
           <a:xfrm>
-            <a:off x="6198176" y="4502801"/>
+            <a:off x="6198176" y="4547921"/>
             <a:ext cx="1197786" cy="602489"/>
           </a:xfrm>
           <a:prstGeom prst="rect">
@@ -5152,8 +4918,8 @@
           <a:p>
             <a:pPr algn="ctr"/>
             <a:r>
-              <a:rPr lang="es-ES_tradnl" sz="900" dirty="0" smtClean="0"/>
-              <a:t>dos  ángulo  son congruentes  </a:t>
+              <a:rPr lang="es-ES_tradnl" sz="900" dirty="0"/>
+              <a:t>dos  ángulos  son congruentes  </a:t>
             </a:r>
             <a:endParaRPr lang="es-CO" sz="900" b="1" dirty="0">
               <a:solidFill>
@@ -5175,8 +4941,8 @@
         </p:nvCxnSpPr>
         <p:spPr>
           <a:xfrm rot="5400000">
-            <a:off x="8212687" y="2701473"/>
-            <a:ext cx="385710" cy="3216946"/>
+            <a:off x="8190127" y="2724033"/>
+            <a:ext cx="430830" cy="3216946"/>
           </a:xfrm>
           <a:prstGeom prst="bentConnector3">
             <a:avLst>
@@ -5212,7 +4978,7 @@
         </p:nvSpPr>
         <p:spPr>
           <a:xfrm>
-            <a:off x="6250524" y="5297091"/>
+            <a:off x="6250524" y="5248323"/>
             <a:ext cx="1095738" cy="221963"/>
           </a:xfrm>
           <a:prstGeom prst="rect">
@@ -5242,7 +5008,7 @@
           <a:p>
             <a:pPr algn="ctr"/>
             <a:r>
-              <a:rPr lang="es-CO" sz="900" dirty="0" smtClean="0">
+              <a:rPr lang="es-CO" sz="900" dirty="0">
                 <a:solidFill>
                   <a:schemeClr val="tx1"/>
                 </a:solidFill>
@@ -5250,12 +5016,6 @@
               </a:rPr>
               <a:t>si    </a:t>
             </a:r>
-            <a:endParaRPr lang="es-CO" sz="900" dirty="0">
-              <a:solidFill>
-                <a:schemeClr val="tx1"/>
-              </a:solidFill>
-              <a:cs typeface="Arial" pitchFamily="34" charset="0"/>
-            </a:endParaRPr>
           </a:p>
         </p:txBody>
       </p:sp>
@@ -5270,8 +5030,8 @@
         </p:nvCxnSpPr>
         <p:spPr>
           <a:xfrm>
-            <a:off x="6797069" y="5105290"/>
-            <a:ext cx="1324" cy="191801"/>
+            <a:off x="6797069" y="5150410"/>
+            <a:ext cx="1324" cy="97913"/>
           </a:xfrm>
           <a:prstGeom prst="line">
             <a:avLst/>
@@ -5305,7 +5065,7 @@
         </p:nvSpPr>
         <p:spPr>
           <a:xfrm>
-            <a:off x="6172045" y="5675880"/>
+            <a:off x="6172045" y="5615606"/>
             <a:ext cx="1260000" cy="715539"/>
           </a:xfrm>
           <a:prstGeom prst="rect">
@@ -5335,7 +5095,7 @@
           <a:p>
             <a:pPr algn="ctr"/>
             <a:r>
-              <a:rPr lang="es-ES" sz="900" dirty="0" smtClean="0">
+              <a:rPr lang="es-ES" sz="900" dirty="0">
                 <a:solidFill>
                   <a:schemeClr val="tx1"/>
                 </a:solidFill>
@@ -5362,8 +5122,8 @@
         </p:nvCxnSpPr>
         <p:spPr>
           <a:xfrm>
-            <a:off x="6798393" y="5519054"/>
-            <a:ext cx="3652" cy="156826"/>
+            <a:off x="6798393" y="5470286"/>
+            <a:ext cx="3652" cy="145320"/>
           </a:xfrm>
           <a:prstGeom prst="line">
             <a:avLst/>
@@ -5397,7 +5157,7 @@
         </p:nvSpPr>
         <p:spPr>
           <a:xfrm>
-            <a:off x="6259347" y="6627589"/>
+            <a:off x="6259347" y="6542931"/>
             <a:ext cx="1095738" cy="221963"/>
           </a:xfrm>
           <a:prstGeom prst="rect">
@@ -5427,7 +5187,7 @@
           <a:p>
             <a:pPr algn="ctr"/>
             <a:r>
-              <a:rPr lang="es-CO" sz="900" dirty="0" smtClean="0">
+              <a:rPr lang="es-CO" sz="900" dirty="0">
                 <a:solidFill>
                   <a:schemeClr val="tx1"/>
                 </a:solidFill>
@@ -5435,12 +5195,6 @@
               </a:rPr>
               <a:t>ejemplo     </a:t>
             </a:r>
-            <a:endParaRPr lang="es-CO" sz="900" dirty="0">
-              <a:solidFill>
-                <a:schemeClr val="tx1"/>
-              </a:solidFill>
-              <a:cs typeface="Arial" pitchFamily="34" charset="0"/>
-            </a:endParaRPr>
           </a:p>
         </p:txBody>
       </p:sp>
@@ -5455,8 +5209,8 @@
         </p:nvCxnSpPr>
         <p:spPr>
           <a:xfrm>
-            <a:off x="6802045" y="6391419"/>
-            <a:ext cx="5171" cy="236170"/>
+            <a:off x="6802045" y="6331145"/>
+            <a:ext cx="5171" cy="211786"/>
           </a:xfrm>
           <a:prstGeom prst="line">
             <a:avLst/>
@@ -5490,7 +5244,7 @@
         </p:nvSpPr>
         <p:spPr>
           <a:xfrm>
-            <a:off x="6181570" y="7057005"/>
+            <a:off x="6181570" y="6947050"/>
             <a:ext cx="1260000" cy="715539"/>
           </a:xfrm>
           <a:prstGeom prst="rect">
@@ -5530,7 +5284,7 @@
               </a:tabLst>
             </a:pPr>
             <a:r>
-              <a:rPr lang="es-ES_tradnl" sz="900" i="1" dirty="0" smtClean="0">
+              <a:rPr lang="es-ES_tradnl" sz="900" i="1" dirty="0">
                 <a:solidFill>
                   <a:schemeClr val="tx1"/>
                 </a:solidFill>
@@ -5541,7 +5295,7 @@
               <a:t>∡ </a:t>
             </a:r>
             <a:r>
-              <a:rPr lang="es-ES_tradnl" sz="900" i="1" dirty="0" smtClean="0">
+              <a:rPr lang="es-ES_tradnl" sz="900" i="1" dirty="0">
                 <a:solidFill>
                   <a:schemeClr val="tx1"/>
                 </a:solidFill>
@@ -5552,7 +5306,7 @@
               <a:t>CAB</a:t>
             </a:r>
             <a:r>
-              <a:rPr lang="es-ES_tradnl" sz="900" i="1" dirty="0" smtClean="0">
+              <a:rPr lang="es-ES_tradnl" sz="900" i="1" dirty="0">
                 <a:solidFill>
                   <a:schemeClr val="tx1"/>
                 </a:solidFill>
@@ -5563,7 +5317,7 @@
               <a:t>≅</a:t>
             </a:r>
             <a:r>
-              <a:rPr lang="es-ES_tradnl" sz="900" dirty="0" smtClean="0">
+              <a:rPr lang="es-ES_tradnl" sz="900" dirty="0">
                 <a:solidFill>
                   <a:schemeClr val="tx1"/>
                 </a:solidFill>
@@ -5574,7 +5328,7 @@
               <a:t> </a:t>
             </a:r>
             <a:r>
-              <a:rPr lang="es-ES_tradnl" sz="900" i="1" dirty="0" smtClean="0">
+              <a:rPr lang="es-ES_tradnl" sz="900" i="1" dirty="0">
                 <a:solidFill>
                   <a:schemeClr val="tx1"/>
                 </a:solidFill>
@@ -5585,7 +5339,7 @@
               <a:t> </a:t>
             </a:r>
             <a:r>
-              <a:rPr lang="es-ES_tradnl" sz="900" i="1" dirty="0" smtClean="0">
+              <a:rPr lang="es-ES_tradnl" sz="900" i="1" dirty="0">
                 <a:solidFill>
                   <a:schemeClr val="tx1"/>
                 </a:solidFill>
@@ -5609,8 +5363,8 @@
         </p:nvCxnSpPr>
         <p:spPr>
           <a:xfrm>
-            <a:off x="6807216" y="6849552"/>
-            <a:ext cx="4354" cy="207453"/>
+            <a:off x="6807216" y="6764894"/>
+            <a:ext cx="4354" cy="182156"/>
           </a:xfrm>
           <a:prstGeom prst="line">
             <a:avLst/>
@@ -5644,7 +5398,7 @@
         </p:nvSpPr>
         <p:spPr>
           <a:xfrm>
-            <a:off x="7760276" y="4502801"/>
+            <a:off x="7760276" y="4545625"/>
             <a:ext cx="1197786" cy="602489"/>
           </a:xfrm>
           <a:prstGeom prst="rect">
@@ -5676,7 +5430,7 @@
           <a:p>
             <a:pPr algn="ctr"/>
             <a:r>
-              <a:rPr lang="es-ES_tradnl" sz="900" dirty="0" smtClean="0"/>
+              <a:rPr lang="es-ES_tradnl" sz="900" dirty="0"/>
               <a:t> lados  correspondientes son proporcionales  </a:t>
             </a:r>
             <a:endParaRPr lang="es-CO" sz="900" b="1" dirty="0">
@@ -5699,8 +5453,8 @@
         </p:nvCxnSpPr>
         <p:spPr>
           <a:xfrm rot="5400000">
-            <a:off x="8993737" y="3482523"/>
-            <a:ext cx="385710" cy="1654846"/>
+            <a:off x="8972325" y="3503935"/>
+            <a:ext cx="428534" cy="1654846"/>
           </a:xfrm>
           <a:prstGeom prst="bentConnector3">
             <a:avLst>
@@ -5736,7 +5490,7 @@
         </p:nvSpPr>
         <p:spPr>
           <a:xfrm>
-            <a:off x="7817084" y="5287566"/>
+            <a:off x="7817084" y="5250593"/>
             <a:ext cx="1095738" cy="221963"/>
           </a:xfrm>
           <a:prstGeom prst="rect">
@@ -5766,7 +5520,7 @@
           <a:p>
             <a:pPr algn="ctr"/>
             <a:r>
-              <a:rPr lang="es-CO" sz="900" dirty="0" smtClean="0">
+              <a:rPr lang="es-CO" sz="900" dirty="0">
                 <a:solidFill>
                   <a:schemeClr val="tx1"/>
                 </a:solidFill>
@@ -5774,12 +5528,6 @@
               </a:rPr>
               <a:t>si    </a:t>
             </a:r>
-            <a:endParaRPr lang="es-CO" sz="900" dirty="0">
-              <a:solidFill>
-                <a:schemeClr val="tx1"/>
-              </a:solidFill>
-              <a:cs typeface="Arial" pitchFamily="34" charset="0"/>
-            </a:endParaRPr>
           </a:p>
         </p:txBody>
       </p:sp>
@@ -5794,8 +5542,8 @@
         </p:nvCxnSpPr>
         <p:spPr>
           <a:xfrm>
-            <a:off x="8359169" y="5105290"/>
-            <a:ext cx="5784" cy="182276"/>
+            <a:off x="8359169" y="5148114"/>
+            <a:ext cx="5784" cy="102479"/>
           </a:xfrm>
           <a:prstGeom prst="line">
             <a:avLst/>
@@ -5829,7 +5577,7 @@
         </p:nvSpPr>
         <p:spPr>
           <a:xfrm>
-            <a:off x="7739210" y="5666355"/>
+            <a:off x="7739210" y="5615606"/>
             <a:ext cx="1260000" cy="715539"/>
           </a:xfrm>
           <a:prstGeom prst="rect">
@@ -5859,7 +5607,7 @@
           <a:p>
             <a:pPr algn="ctr"/>
             <a:r>
-              <a:rPr lang="es-ES" sz="900" dirty="0" smtClean="0">
+              <a:rPr lang="es-ES" sz="900" dirty="0">
                 <a:solidFill>
                   <a:schemeClr val="tx1"/>
                 </a:solidFill>
@@ -5886,8 +5634,8 @@
         </p:nvCxnSpPr>
         <p:spPr>
           <a:xfrm>
-            <a:off x="8364953" y="5509529"/>
-            <a:ext cx="4257" cy="156826"/>
+            <a:off x="8364953" y="5472556"/>
+            <a:ext cx="4257" cy="143050"/>
           </a:xfrm>
           <a:prstGeom prst="line">
             <a:avLst/>
@@ -5921,7 +5669,7 @@
         </p:nvSpPr>
         <p:spPr>
           <a:xfrm>
-            <a:off x="7822052" y="6608539"/>
+            <a:off x="7822052" y="6541869"/>
             <a:ext cx="1095738" cy="221963"/>
           </a:xfrm>
           <a:prstGeom prst="rect">
@@ -5951,7 +5699,7 @@
           <a:p>
             <a:pPr algn="ctr"/>
             <a:r>
-              <a:rPr lang="es-CO" sz="900" dirty="0" smtClean="0">
+              <a:rPr lang="es-CO" sz="900" dirty="0">
                 <a:solidFill>
                   <a:schemeClr val="tx1"/>
                 </a:solidFill>
@@ -5959,12 +5707,6 @@
               </a:rPr>
               <a:t>ejemplo     </a:t>
             </a:r>
-            <a:endParaRPr lang="es-CO" sz="900" dirty="0">
-              <a:solidFill>
-                <a:schemeClr val="tx1"/>
-              </a:solidFill>
-              <a:cs typeface="Arial" pitchFamily="34" charset="0"/>
-            </a:endParaRPr>
           </a:p>
         </p:txBody>
       </p:sp>
@@ -5979,8 +5721,8 @@
         </p:nvCxnSpPr>
         <p:spPr>
           <a:xfrm>
-            <a:off x="8369210" y="6381894"/>
-            <a:ext cx="711" cy="226645"/>
+            <a:off x="8369210" y="6331145"/>
+            <a:ext cx="711" cy="210724"/>
           </a:xfrm>
           <a:prstGeom prst="line">
             <a:avLst/>
@@ -6014,7 +5756,7 @@
         </p:nvSpPr>
         <p:spPr>
           <a:xfrm>
-            <a:off x="7746090" y="8380980"/>
+            <a:off x="7746090" y="8246591"/>
             <a:ext cx="1260000" cy="715539"/>
           </a:xfrm>
           <a:prstGeom prst="rect">
@@ -6053,7 +5795,7 @@
                 <a:tab pos="5395913" algn="r"/>
               </a:tabLst>
             </a:pPr>
-            <a:endParaRPr lang="es-ES_tradnl" sz="900" i="1" dirty="0" smtClean="0">
+            <a:endParaRPr lang="es-ES_tradnl" sz="900" i="1" dirty="0">
               <a:solidFill>
                 <a:schemeClr val="tx1"/>
               </a:solidFill>
@@ -6072,7 +5814,7 @@
         </p:nvSpPr>
         <p:spPr>
           <a:xfrm>
-            <a:off x="7740420" y="7066530"/>
+            <a:off x="7740420" y="6945584"/>
             <a:ext cx="1260000" cy="715539"/>
           </a:xfrm>
           <a:prstGeom prst="rect">
@@ -6101,7 +5843,7 @@
           <a:lstStyle/>
           <a:p>
             <a:r>
-              <a:rPr lang="es-ES" sz="900" i="1" dirty="0" smtClean="0">
+              <a:rPr lang="es-ES" sz="900" i="1" dirty="0">
                 <a:solidFill>
                   <a:srgbClr val="FF0000"/>
                 </a:solidFill>
@@ -6112,7 +5854,7 @@
           <a:p>
             <a:pPr algn="ctr"/>
             <a:r>
-              <a:rPr lang="es-ES" sz="900" dirty="0" smtClean="0">
+              <a:rPr lang="es-ES" sz="900" dirty="0">
                 <a:solidFill>
                   <a:srgbClr val="FF0000"/>
                 </a:solidFill>
@@ -6148,7 +5890,7 @@
         </p:blipFill>
         <p:spPr bwMode="auto">
           <a:xfrm>
-            <a:off x="7985126" y="7247218"/>
+            <a:off x="7985126" y="7180056"/>
             <a:ext cx="835024" cy="241019"/>
           </a:xfrm>
           <a:prstGeom prst="rect">
@@ -6165,7 +5907,7 @@
         </p:nvSpPr>
         <p:spPr>
           <a:xfrm>
-            <a:off x="6268872" y="7999189"/>
+            <a:off x="6268872" y="7835283"/>
             <a:ext cx="1095738" cy="221963"/>
           </a:xfrm>
           <a:prstGeom prst="rect">
@@ -6195,7 +5937,7 @@
           <a:p>
             <a:pPr algn="ctr"/>
             <a:r>
-              <a:rPr lang="es-CO" sz="900" dirty="0" smtClean="0">
+              <a:rPr lang="es-CO" sz="900" dirty="0">
                 <a:solidFill>
                   <a:schemeClr val="tx1"/>
                 </a:solidFill>
@@ -6203,12 +5945,6 @@
               </a:rPr>
               <a:t>por que      </a:t>
             </a:r>
-            <a:endParaRPr lang="es-CO" sz="900" dirty="0">
-              <a:solidFill>
-                <a:schemeClr val="tx1"/>
-              </a:solidFill>
-              <a:cs typeface="Arial" pitchFamily="34" charset="0"/>
-            </a:endParaRPr>
           </a:p>
         </p:txBody>
       </p:sp>
@@ -6220,7 +5956,7 @@
         </p:nvSpPr>
         <p:spPr>
           <a:xfrm>
-            <a:off x="6186635" y="8390505"/>
+            <a:off x="6186635" y="8253072"/>
             <a:ext cx="1260000" cy="715539"/>
           </a:xfrm>
           <a:prstGeom prst="rect">
@@ -6260,7 +5996,7 @@
               </a:tabLst>
             </a:pPr>
             <a:r>
-              <a:rPr lang="es-ES_tradnl" sz="900" i="1" dirty="0" smtClean="0">
+              <a:rPr lang="es-ES_tradnl" sz="900" i="1" dirty="0">
                 <a:solidFill>
                   <a:schemeClr val="tx1"/>
                 </a:solidFill>
@@ -6271,7 +6007,7 @@
               <a:t>m∡ </a:t>
             </a:r>
             <a:r>
-              <a:rPr lang="es-ES_tradnl" sz="900" i="1" dirty="0" smtClean="0">
+              <a:rPr lang="es-ES_tradnl" sz="900" i="1" dirty="0">
                 <a:solidFill>
                   <a:schemeClr val="tx1"/>
                 </a:solidFill>
@@ -6282,7 +6018,7 @@
               <a:t>CAB = </a:t>
             </a:r>
             <a:r>
-              <a:rPr lang="es-ES_tradnl" sz="900" i="1" dirty="0" err="1" smtClean="0">
+              <a:rPr lang="es-ES_tradnl" sz="900" i="1" dirty="0" err="1">
                 <a:solidFill>
                   <a:schemeClr val="tx1"/>
                 </a:solidFill>
@@ -6293,7 +6029,7 @@
               <a:t>m</a:t>
             </a:r>
             <a:r>
-              <a:rPr lang="es-ES_tradnl" sz="900" i="1" dirty="0" err="1" smtClean="0">
+              <a:rPr lang="es-ES_tradnl" sz="900" i="1" dirty="0" err="1">
                 <a:solidFill>
                   <a:schemeClr val="tx1"/>
                 </a:solidFill>
@@ -6304,7 +6040,7 @@
               <a:t>∡FDE</a:t>
             </a:r>
             <a:r>
-              <a:rPr lang="es-ES_tradnl" sz="900" i="1" dirty="0" smtClean="0">
+              <a:rPr lang="es-ES_tradnl" sz="900" i="1" dirty="0">
                 <a:solidFill>
                   <a:schemeClr val="tx1"/>
                 </a:solidFill>
@@ -6328,8 +6064,8 @@
         </p:nvCxnSpPr>
         <p:spPr>
           <a:xfrm>
-            <a:off x="6811570" y="7772544"/>
-            <a:ext cx="5171" cy="226645"/>
+            <a:off x="6811570" y="7662589"/>
+            <a:ext cx="5171" cy="172694"/>
           </a:xfrm>
           <a:prstGeom prst="line">
             <a:avLst/>
@@ -6366,8 +6102,8 @@
         </p:nvCxnSpPr>
         <p:spPr>
           <a:xfrm flipH="1">
-            <a:off x="6816635" y="8221152"/>
-            <a:ext cx="106" cy="169353"/>
+            <a:off x="6816635" y="8057246"/>
+            <a:ext cx="106" cy="195826"/>
           </a:xfrm>
           <a:prstGeom prst="line">
             <a:avLst/>
@@ -6410,7 +6146,7 @@
         </p:blipFill>
         <p:spPr bwMode="auto">
           <a:xfrm>
-            <a:off x="8061326" y="8586693"/>
+            <a:off x="8029427" y="8448464"/>
             <a:ext cx="749299" cy="320770"/>
           </a:xfrm>
           <a:prstGeom prst="rect">
@@ -6427,7 +6163,7 @@
         </p:nvSpPr>
         <p:spPr>
           <a:xfrm>
-            <a:off x="7823262" y="7961089"/>
+            <a:off x="7823262" y="7854577"/>
             <a:ext cx="1095738" cy="221963"/>
           </a:xfrm>
           <a:prstGeom prst="rect">
@@ -6457,7 +6193,7 @@
           <a:p>
             <a:pPr algn="ctr"/>
             <a:r>
-              <a:rPr lang="es-CO" sz="900" dirty="0" smtClean="0">
+              <a:rPr lang="es-CO" sz="900" dirty="0">
                 <a:solidFill>
                   <a:schemeClr val="tx1"/>
                 </a:solidFill>
@@ -6465,12 +6201,6 @@
               </a:rPr>
               <a:t>por que      </a:t>
             </a:r>
-            <a:endParaRPr lang="es-CO" sz="900" dirty="0">
-              <a:solidFill>
-                <a:schemeClr val="tx1"/>
-              </a:solidFill>
-              <a:cs typeface="Arial" pitchFamily="34" charset="0"/>
-            </a:endParaRPr>
           </a:p>
         </p:txBody>
       </p:sp>
@@ -6485,8 +6215,8 @@
         </p:nvCxnSpPr>
         <p:spPr>
           <a:xfrm>
-            <a:off x="8370420" y="7782069"/>
-            <a:ext cx="711" cy="179020"/>
+            <a:off x="8370420" y="7661123"/>
+            <a:ext cx="711" cy="193454"/>
           </a:xfrm>
           <a:prstGeom prst="line">
             <a:avLst/>
@@ -6523,8 +6253,8 @@
         </p:nvCxnSpPr>
         <p:spPr>
           <a:xfrm>
-            <a:off x="8369921" y="6830502"/>
-            <a:ext cx="499" cy="236028"/>
+            <a:off x="8369921" y="6763832"/>
+            <a:ext cx="499" cy="181752"/>
           </a:xfrm>
           <a:prstGeom prst="line">
             <a:avLst/>
@@ -6561,8 +6291,8 @@
         </p:nvCxnSpPr>
         <p:spPr>
           <a:xfrm>
-            <a:off x="8371131" y="8183052"/>
-            <a:ext cx="4959" cy="197928"/>
+            <a:off x="8371131" y="8076540"/>
+            <a:ext cx="4959" cy="170051"/>
           </a:xfrm>
           <a:prstGeom prst="line">
             <a:avLst/>
@@ -6596,7 +6326,7 @@
         </p:nvSpPr>
         <p:spPr>
           <a:xfrm>
-            <a:off x="11153678" y="6917185"/>
+            <a:off x="11153678" y="6942795"/>
             <a:ext cx="1260000" cy="715539"/>
           </a:xfrm>
           <a:prstGeom prst="rect">
@@ -6625,7 +6355,7 @@
           <a:lstStyle/>
           <a:p>
             <a:r>
-              <a:rPr lang="es-ES" sz="900" i="1" dirty="0" smtClean="0">
+              <a:rPr lang="es-ES" sz="900" i="1" dirty="0">
                 <a:solidFill>
                   <a:schemeClr val="tx1"/>
                 </a:solidFill>
@@ -6636,7 +6366,7 @@
           <a:p>
             <a:pPr algn="ctr"/>
             <a:r>
-              <a:rPr lang="es-CO" sz="900" dirty="0" smtClean="0">
+              <a:rPr lang="es-CO" sz="900" dirty="0">
                 <a:solidFill>
                   <a:schemeClr val="tx1"/>
                 </a:solidFill>
@@ -6648,7 +6378,7 @@
           <a:p>
             <a:pPr algn="ctr"/>
             <a:r>
-              <a:rPr lang="es-CO" sz="900" dirty="0" smtClean="0">
+              <a:rPr lang="es-CO" sz="900" dirty="0">
                 <a:solidFill>
                   <a:schemeClr val="tx1"/>
                 </a:solidFill>
@@ -6667,7 +6397,7 @@
         </p:nvSpPr>
         <p:spPr>
           <a:xfrm>
-            <a:off x="11163203" y="8136385"/>
+            <a:off x="11163203" y="8254828"/>
             <a:ext cx="1260000" cy="715539"/>
           </a:xfrm>
           <a:prstGeom prst="rect">
@@ -6696,7 +6426,7 @@
           <a:lstStyle/>
           <a:p>
             <a:r>
-              <a:rPr lang="es-ES" sz="900" i="1" dirty="0" smtClean="0">
+              <a:rPr lang="es-ES" sz="900" i="1" dirty="0">
                 <a:solidFill>
                   <a:schemeClr val="tx1"/>
                 </a:solidFill>
@@ -6707,7 +6437,7 @@
           <a:p>
             <a:pPr algn="ctr"/>
             <a:r>
-              <a:rPr lang="es-CO" sz="900" dirty="0" smtClean="0">
+              <a:rPr lang="es-CO" sz="900" dirty="0">
                 <a:solidFill>
                   <a:schemeClr val="tx1"/>
                 </a:solidFill>
@@ -6719,7 +6449,7 @@
           <a:p>
             <a:pPr algn="ctr"/>
             <a:r>
-              <a:rPr lang="es-CO" sz="900" dirty="0" smtClean="0">
+              <a:rPr lang="es-CO" sz="900" dirty="0">
                 <a:solidFill>
                   <a:schemeClr val="tx1"/>
                 </a:solidFill>
@@ -6741,8 +6471,8 @@
         </p:nvCxnSpPr>
         <p:spPr>
           <a:xfrm flipH="1" flipV="1">
-            <a:off x="11783678" y="7632724"/>
-            <a:ext cx="9525" cy="503661"/>
+            <a:off x="11783678" y="7658334"/>
+            <a:ext cx="9525" cy="596494"/>
           </a:xfrm>
           <a:prstGeom prst="line">
             <a:avLst/>
@@ -6768,6 +6498,77 @@
           </a:fontRef>
         </p:style>
       </p:cxnSp>
+      <p:sp>
+        <p:nvSpPr>
+          <p:cNvPr id="159" name="Rectángulo 33"/>
+          <p:cNvSpPr/>
+          <p:nvPr/>
+        </p:nvSpPr>
+        <p:spPr>
+          <a:xfrm>
+            <a:off x="2823137" y="8256947"/>
+            <a:ext cx="1260000" cy="715539"/>
+          </a:xfrm>
+          <a:prstGeom prst="rect">
+            <a:avLst/>
+          </a:prstGeom>
+          <a:solidFill>
+            <a:schemeClr val="bg1"/>
+          </a:solidFill>
+        </p:spPr>
+        <p:style>
+          <a:lnRef idx="2">
+            <a:schemeClr val="dk1"/>
+          </a:lnRef>
+          <a:fillRef idx="1">
+            <a:schemeClr val="lt1"/>
+          </a:fillRef>
+          <a:effectRef idx="0">
+            <a:schemeClr val="dk1"/>
+          </a:effectRef>
+          <a:fontRef idx="minor">
+            <a:schemeClr val="dk1"/>
+          </a:fontRef>
+        </p:style>
+        <p:txBody>
+          <a:bodyPr lIns="105683" tIns="52841" rIns="105683" bIns="52841" rtlCol="0" anchor="ctr"/>
+          <a:lstStyle/>
+          <a:p>
+            <a:pPr algn="ctr"/>
+            <a:r>
+              <a:rPr lang="es-CO" sz="900" dirty="0">
+                <a:solidFill>
+                  <a:schemeClr val="tx1"/>
+                </a:solidFill>
+                <a:cs typeface="Arial" pitchFamily="34" charset="0"/>
+              </a:rPr>
+              <a:t>se  de muestra que </a:t>
+            </a:r>
+            <a:r>
+              <a:rPr lang="es-ES_tradnl" sz="900" dirty="0"/>
+              <a:t>¬p→ ¬q es verdad </a:t>
+            </a:r>
+            <a:r>
+              <a:rPr lang="es-CO" sz="900" dirty="0">
+                <a:solidFill>
+                  <a:schemeClr val="tx1"/>
+                </a:solidFill>
+                <a:cs typeface="Arial" pitchFamily="34" charset="0"/>
+              </a:rPr>
+              <a:t> entonces  q es verdad </a:t>
+            </a:r>
+          </a:p>
+          <a:p>
+            <a:pPr algn="ctr"/>
+            <a:endParaRPr lang="es-CO" sz="900" baseline="-25000" dirty="0">
+              <a:solidFill>
+                <a:schemeClr val="tx1"/>
+              </a:solidFill>
+              <a:cs typeface="Arial" pitchFamily="34" charset="0"/>
+            </a:endParaRPr>
+          </a:p>
+        </p:txBody>
+      </p:sp>
     </p:spTree>
     <p:extLst>
       <p:ext uri="{BB962C8B-B14F-4D97-AF65-F5344CB8AC3E}">
@@ -6778,13 +6579,6 @@
   <p:clrMapOvr>
     <a:masterClrMapping/>
   </p:clrMapOvr>
-  <p:timing>
-    <p:tnLst>
-      <p:par>
-        <p:cTn id="1" dur="indefinite" restart="never" nodeType="tmRoot"/>
-      </p:par>
-    </p:tnLst>
-  </p:timing>
 </p:sld>
 </file>
 
